--- a/TestStatistics.pptx
+++ b/TestStatistics.pptx
@@ -5,18 +5,19 @@
     <p:sldMasterId id="2147483689" r:id="rId1"/>
   </p:sldMasterIdLst>
   <p:notesMasterIdLst>
-    <p:notesMasterId r:id="rId8"/>
+    <p:notesMasterId r:id="rId9"/>
   </p:notesMasterIdLst>
   <p:handoutMasterIdLst>
-    <p:handoutMasterId r:id="rId9"/>
+    <p:handoutMasterId r:id="rId10"/>
   </p:handoutMasterIdLst>
   <p:sldIdLst>
     <p:sldId id="256" r:id="rId2"/>
     <p:sldId id="257" r:id="rId3"/>
-    <p:sldId id="258" r:id="rId4"/>
-    <p:sldId id="259" r:id="rId5"/>
-    <p:sldId id="260" r:id="rId6"/>
-    <p:sldId id="261" r:id="rId7"/>
+    <p:sldId id="262" r:id="rId4"/>
+    <p:sldId id="258" r:id="rId5"/>
+    <p:sldId id="259" r:id="rId6"/>
+    <p:sldId id="260" r:id="rId7"/>
+    <p:sldId id="261" r:id="rId8"/>
   </p:sldIdLst>
   <p:sldSz cx="12192000" cy="6858000"/>
   <p:notesSz cx="6858000" cy="9144000"/>
@@ -169,15 +170,13 @@
           </c:spPr>
           <c:invertIfNegative val="0"/>
           <c:cat>
-            <c:strRef>
+            <c:numRef>
               <c:f>Sheet1!$A$2</c:f>
-              <c:strCache>
+              <c:numCache>
+                <c:formatCode>General</c:formatCode>
                 <c:ptCount val="1"/>
-                <c:pt idx="0">
-                  <c:v>Category 1</c:v>
-                </c:pt>
-              </c:strCache>
-            </c:strRef>
+              </c:numCache>
+            </c:numRef>
           </c:cat>
           <c:val>
             <c:numRef>
@@ -201,7 +200,7 @@
               <c:strCache>
                 <c:ptCount val="1"/>
                 <c:pt idx="0">
-                  <c:v>Ran</c:v>
+                  <c:v>Automated</c:v>
                 </c:pt>
               </c:strCache>
             </c:strRef>
@@ -217,15 +216,13 @@
           </c:spPr>
           <c:invertIfNegative val="0"/>
           <c:cat>
-            <c:strRef>
+            <c:numRef>
               <c:f>Sheet1!$A$2</c:f>
-              <c:strCache>
+              <c:numCache>
+                <c:formatCode>General</c:formatCode>
                 <c:ptCount val="1"/>
-                <c:pt idx="0">
-                  <c:v>Category 1</c:v>
-                </c:pt>
-              </c:strCache>
-            </c:strRef>
+              </c:numCache>
+            </c:numRef>
           </c:cat>
           <c:val>
             <c:numRef>
@@ -234,7 +231,53 @@
                 <c:formatCode>General</c:formatCode>
                 <c:ptCount val="1"/>
                 <c:pt idx="0">
-                  <c:v>108</c:v>
+                  <c:v>20</c:v>
+                </c:pt>
+              </c:numCache>
+            </c:numRef>
+          </c:val>
+        </c:ser>
+        <c:ser>
+          <c:idx val="2"/>
+          <c:order val="2"/>
+          <c:tx>
+            <c:strRef>
+              <c:f>Sheet1!$D$1</c:f>
+              <c:strCache>
+                <c:ptCount val="1"/>
+                <c:pt idx="0">
+                  <c:v>Manual</c:v>
+                </c:pt>
+              </c:strCache>
+            </c:strRef>
+          </c:tx>
+          <c:spPr>
+            <a:solidFill>
+              <a:schemeClr val="accent3"/>
+            </a:solidFill>
+            <a:ln>
+              <a:noFill/>
+            </a:ln>
+            <a:effectLst/>
+          </c:spPr>
+          <c:invertIfNegative val="0"/>
+          <c:cat>
+            <c:numRef>
+              <c:f>Sheet1!$A$2</c:f>
+              <c:numCache>
+                <c:formatCode>General</c:formatCode>
+                <c:ptCount val="1"/>
+              </c:numCache>
+            </c:numRef>
+          </c:cat>
+          <c:val>
+            <c:numRef>
+              <c:f>Sheet1!$D$2</c:f>
+              <c:numCache>
+                <c:formatCode>General</c:formatCode>
+                <c:ptCount val="1"/>
+                <c:pt idx="0">
+                  <c:v>2</c:v>
                 </c:pt>
               </c:numCache>
             </c:numRef>
@@ -250,11 +293,11 @@
         </c:dLbls>
         <c:gapWidth val="219"/>
         <c:overlap val="-27"/>
-        <c:axId val="231411504"/>
-        <c:axId val="231413136"/>
+        <c:axId val="-2095574064"/>
+        <c:axId val="-2095565904"/>
       </c:barChart>
       <c:catAx>
-        <c:axId val="231411504"/>
+        <c:axId val="-2095574064"/>
         <c:scaling>
           <c:orientation val="minMax"/>
         </c:scaling>
@@ -297,7 +340,7 @@
             <a:endParaRPr lang="bg-BG"/>
           </a:p>
         </c:txPr>
-        <c:crossAx val="231413136"/>
+        <c:crossAx val="-2095565904"/>
         <c:crosses val="autoZero"/>
         <c:auto val="1"/>
         <c:lblAlgn val="ctr"/>
@@ -305,7 +348,7 @@
         <c:noMultiLvlLbl val="0"/>
       </c:catAx>
       <c:valAx>
-        <c:axId val="231413136"/>
+        <c:axId val="-2095565904"/>
         <c:scaling>
           <c:orientation val="minMax"/>
         </c:scaling>
@@ -356,7 +399,7 @@
             <a:endParaRPr lang="bg-BG"/>
           </a:p>
         </c:txPr>
-        <c:crossAx val="231411504"/>
+        <c:crossAx val="-2095574064"/>
         <c:crosses val="autoZero"/>
         <c:crossBetween val="between"/>
       </c:valAx>
@@ -428,6 +471,306 @@
 </file>
 
 <file path=ppt/charts/chart2.xml><?xml version="1.0" encoding="utf-8"?>
+<c:chartSpace xmlns:c="http://schemas.openxmlformats.org/drawingml/2006/chart" xmlns:a="http://schemas.openxmlformats.org/drawingml/2006/main" xmlns:r="http://schemas.openxmlformats.org/officeDocument/2006/relationships">
+  <c:date1904 val="0"/>
+  <c:lang val="en-US"/>
+  <c:roundedCorners val="0"/>
+  <mc:AlternateContent xmlns:mc="http://schemas.openxmlformats.org/markup-compatibility/2006">
+    <mc:Choice xmlns:c14="http://schemas.microsoft.com/office/drawing/2007/8/2/chart" Requires="c14">
+      <c14:style val="102"/>
+    </mc:Choice>
+    <mc:Fallback>
+      <c:style val="2"/>
+    </mc:Fallback>
+  </mc:AlternateContent>
+  <c:chart>
+    <c:autoTitleDeleted val="1"/>
+    <c:plotArea>
+      <c:layout/>
+      <c:barChart>
+        <c:barDir val="col"/>
+        <c:grouping val="clustered"/>
+        <c:varyColors val="0"/>
+        <c:ser>
+          <c:idx val="0"/>
+          <c:order val="0"/>
+          <c:tx>
+            <c:strRef>
+              <c:f>Sheet1!$B$1</c:f>
+              <c:strCache>
+                <c:ptCount val="1"/>
+                <c:pt idx="0">
+                  <c:v>Total</c:v>
+                </c:pt>
+              </c:strCache>
+            </c:strRef>
+          </c:tx>
+          <c:spPr>
+            <a:solidFill>
+              <a:schemeClr val="accent1"/>
+            </a:solidFill>
+            <a:ln>
+              <a:noFill/>
+            </a:ln>
+            <a:effectLst/>
+          </c:spPr>
+          <c:invertIfNegative val="0"/>
+          <c:cat>
+            <c:numRef>
+              <c:f>Sheet1!$A$2</c:f>
+              <c:numCache>
+                <c:formatCode>General</c:formatCode>
+                <c:ptCount val="1"/>
+              </c:numCache>
+            </c:numRef>
+          </c:cat>
+          <c:val>
+            <c:numRef>
+              <c:f>Sheet1!$B$2</c:f>
+              <c:numCache>
+                <c:formatCode>General</c:formatCode>
+                <c:ptCount val="1"/>
+                <c:pt idx="0">
+                  <c:v>108</c:v>
+                </c:pt>
+              </c:numCache>
+            </c:numRef>
+          </c:val>
+        </c:ser>
+        <c:ser>
+          <c:idx val="1"/>
+          <c:order val="1"/>
+          <c:tx>
+            <c:strRef>
+              <c:f>Sheet1!$C$1</c:f>
+              <c:strCache>
+                <c:ptCount val="1"/>
+                <c:pt idx="0">
+                  <c:v>Ran</c:v>
+                </c:pt>
+              </c:strCache>
+            </c:strRef>
+          </c:tx>
+          <c:spPr>
+            <a:solidFill>
+              <a:schemeClr val="accent2"/>
+            </a:solidFill>
+            <a:ln>
+              <a:noFill/>
+            </a:ln>
+            <a:effectLst/>
+          </c:spPr>
+          <c:invertIfNegative val="0"/>
+          <c:cat>
+            <c:numRef>
+              <c:f>Sheet1!$A$2</c:f>
+              <c:numCache>
+                <c:formatCode>General</c:formatCode>
+                <c:ptCount val="1"/>
+              </c:numCache>
+            </c:numRef>
+          </c:cat>
+          <c:val>
+            <c:numRef>
+              <c:f>Sheet1!$C$2</c:f>
+              <c:numCache>
+                <c:formatCode>General</c:formatCode>
+                <c:ptCount val="1"/>
+                <c:pt idx="0">
+                  <c:v>108</c:v>
+                </c:pt>
+              </c:numCache>
+            </c:numRef>
+          </c:val>
+        </c:ser>
+        <c:dLbls>
+          <c:showLegendKey val="0"/>
+          <c:showVal val="0"/>
+          <c:showCatName val="0"/>
+          <c:showSerName val="0"/>
+          <c:showPercent val="0"/>
+          <c:showBubbleSize val="0"/>
+        </c:dLbls>
+        <c:gapWidth val="219"/>
+        <c:overlap val="-27"/>
+        <c:axId val="-282228992"/>
+        <c:axId val="-282231712"/>
+      </c:barChart>
+      <c:catAx>
+        <c:axId val="-282228992"/>
+        <c:scaling>
+          <c:orientation val="minMax"/>
+        </c:scaling>
+        <c:delete val="0"/>
+        <c:axPos val="b"/>
+        <c:numFmt formatCode="General" sourceLinked="1"/>
+        <c:majorTickMark val="none"/>
+        <c:minorTickMark val="none"/>
+        <c:tickLblPos val="nextTo"/>
+        <c:spPr>
+          <a:noFill/>
+          <a:ln w="9525" cap="flat" cmpd="sng" algn="ctr">
+            <a:solidFill>
+              <a:schemeClr val="tx1">
+                <a:lumMod val="15000"/>
+                <a:lumOff val="85000"/>
+              </a:schemeClr>
+            </a:solidFill>
+            <a:round/>
+          </a:ln>
+          <a:effectLst/>
+        </c:spPr>
+        <c:txPr>
+          <a:bodyPr rot="-60000000" spcFirstLastPara="1" vertOverflow="ellipsis" vert="horz" wrap="square" anchor="ctr" anchorCtr="1"/>
+          <a:lstStyle/>
+          <a:p>
+            <a:pPr>
+              <a:defRPr sz="1197" b="0" i="0" u="none" strike="noStrike" kern="1200" baseline="0">
+                <a:solidFill>
+                  <a:schemeClr val="tx1">
+                    <a:lumMod val="65000"/>
+                    <a:lumOff val="35000"/>
+                  </a:schemeClr>
+                </a:solidFill>
+                <a:latin typeface="+mn-lt"/>
+                <a:ea typeface="+mn-ea"/>
+                <a:cs typeface="+mn-cs"/>
+              </a:defRPr>
+            </a:pPr>
+            <a:endParaRPr lang="bg-BG"/>
+          </a:p>
+        </c:txPr>
+        <c:crossAx val="-282231712"/>
+        <c:crosses val="autoZero"/>
+        <c:auto val="1"/>
+        <c:lblAlgn val="ctr"/>
+        <c:lblOffset val="100"/>
+        <c:noMultiLvlLbl val="0"/>
+      </c:catAx>
+      <c:valAx>
+        <c:axId val="-282231712"/>
+        <c:scaling>
+          <c:orientation val="minMax"/>
+        </c:scaling>
+        <c:delete val="0"/>
+        <c:axPos val="l"/>
+        <c:majorGridlines>
+          <c:spPr>
+            <a:ln w="9525" cap="flat" cmpd="sng" algn="ctr">
+              <a:solidFill>
+                <a:schemeClr val="tx1">
+                  <a:lumMod val="15000"/>
+                  <a:lumOff val="85000"/>
+                </a:schemeClr>
+              </a:solidFill>
+              <a:round/>
+            </a:ln>
+            <a:effectLst/>
+          </c:spPr>
+        </c:majorGridlines>
+        <c:numFmt formatCode="General" sourceLinked="1"/>
+        <c:majorTickMark val="none"/>
+        <c:minorTickMark val="none"/>
+        <c:tickLblPos val="nextTo"/>
+        <c:spPr>
+          <a:noFill/>
+          <a:ln>
+            <a:noFill/>
+          </a:ln>
+          <a:effectLst/>
+        </c:spPr>
+        <c:txPr>
+          <a:bodyPr rot="-60000000" spcFirstLastPara="1" vertOverflow="ellipsis" vert="horz" wrap="square" anchor="ctr" anchorCtr="1"/>
+          <a:lstStyle/>
+          <a:p>
+            <a:pPr>
+              <a:defRPr sz="1197" b="0" i="0" u="none" strike="noStrike" kern="1200" baseline="0">
+                <a:solidFill>
+                  <a:schemeClr val="tx1">
+                    <a:lumMod val="65000"/>
+                    <a:lumOff val="35000"/>
+                  </a:schemeClr>
+                </a:solidFill>
+                <a:latin typeface="+mn-lt"/>
+                <a:ea typeface="+mn-ea"/>
+                <a:cs typeface="+mn-cs"/>
+              </a:defRPr>
+            </a:pPr>
+            <a:endParaRPr lang="bg-BG"/>
+          </a:p>
+        </c:txPr>
+        <c:crossAx val="-282228992"/>
+        <c:crosses val="autoZero"/>
+        <c:crossBetween val="between"/>
+      </c:valAx>
+      <c:spPr>
+        <a:noFill/>
+        <a:ln>
+          <a:noFill/>
+        </a:ln>
+        <a:effectLst/>
+      </c:spPr>
+    </c:plotArea>
+    <c:legend>
+      <c:legendPos val="b"/>
+      <c:layout/>
+      <c:overlay val="0"/>
+      <c:spPr>
+        <a:noFill/>
+        <a:ln>
+          <a:noFill/>
+        </a:ln>
+        <a:effectLst/>
+      </c:spPr>
+      <c:txPr>
+        <a:bodyPr rot="0" spcFirstLastPara="1" vertOverflow="ellipsis" vert="horz" wrap="square" anchor="ctr" anchorCtr="1"/>
+        <a:lstStyle/>
+        <a:p>
+          <a:pPr>
+            <a:defRPr sz="1197" b="0" i="0" u="none" strike="noStrike" kern="1200" baseline="0">
+              <a:solidFill>
+                <a:schemeClr val="tx1">
+                  <a:lumMod val="65000"/>
+                  <a:lumOff val="35000"/>
+                </a:schemeClr>
+              </a:solidFill>
+              <a:latin typeface="+mn-lt"/>
+              <a:ea typeface="+mn-ea"/>
+              <a:cs typeface="+mn-cs"/>
+            </a:defRPr>
+          </a:pPr>
+          <a:endParaRPr lang="bg-BG"/>
+        </a:p>
+      </c:txPr>
+    </c:legend>
+    <c:plotVisOnly val="1"/>
+    <c:dispBlanksAs val="gap"/>
+    <c:showDLblsOverMax val="0"/>
+  </c:chart>
+  <c:spPr>
+    <a:noFill/>
+    <a:ln>
+      <a:noFill/>
+    </a:ln>
+    <a:effectLst/>
+  </c:spPr>
+  <c:txPr>
+    <a:bodyPr/>
+    <a:lstStyle/>
+    <a:p>
+      <a:pPr>
+        <a:defRPr/>
+      </a:pPr>
+      <a:endParaRPr lang="bg-BG"/>
+    </a:p>
+  </c:txPr>
+  <c:externalData r:id="rId3">
+    <c:autoUpdate val="0"/>
+  </c:externalData>
+</c:chartSpace>
+</file>
+
+<file path=ppt/charts/chart3.xml><?xml version="1.0" encoding="utf-8"?>
 <c:chartSpace xmlns:c="http://schemas.openxmlformats.org/drawingml/2006/chart" xmlns:a="http://schemas.openxmlformats.org/drawingml/2006/main" xmlns:r="http://schemas.openxmlformats.org/officeDocument/2006/relationships">
   <c:date1904 val="0"/>
   <c:lang val="en-US"/>
@@ -596,11 +939,11 @@
         </c:dLbls>
         <c:gapWidth val="219"/>
         <c:overlap val="-27"/>
-        <c:axId val="400809552"/>
-        <c:axId val="400811184"/>
+        <c:axId val="-282229536"/>
+        <c:axId val="-282238784"/>
       </c:barChart>
       <c:catAx>
-        <c:axId val="400809552"/>
+        <c:axId val="-282229536"/>
         <c:scaling>
           <c:orientation val="minMax"/>
         </c:scaling>
@@ -643,7 +986,7 @@
             <a:endParaRPr lang="bg-BG"/>
           </a:p>
         </c:txPr>
-        <c:crossAx val="400811184"/>
+        <c:crossAx val="-282238784"/>
         <c:crosses val="autoZero"/>
         <c:auto val="1"/>
         <c:lblAlgn val="ctr"/>
@@ -651,7 +994,7 @@
         <c:noMultiLvlLbl val="0"/>
       </c:catAx>
       <c:valAx>
-        <c:axId val="400811184"/>
+        <c:axId val="-282238784"/>
         <c:scaling>
           <c:orientation val="minMax"/>
         </c:scaling>
@@ -702,411 +1045,7 @@
             <a:endParaRPr lang="bg-BG"/>
           </a:p>
         </c:txPr>
-        <c:crossAx val="400809552"/>
-        <c:crosses val="autoZero"/>
-        <c:crossBetween val="between"/>
-      </c:valAx>
-      <c:spPr>
-        <a:noFill/>
-        <a:ln>
-          <a:noFill/>
-        </a:ln>
-        <a:effectLst/>
-      </c:spPr>
-    </c:plotArea>
-    <c:legend>
-      <c:legendPos val="b"/>
-      <c:layout/>
-      <c:overlay val="0"/>
-      <c:spPr>
-        <a:noFill/>
-        <a:ln>
-          <a:noFill/>
-        </a:ln>
-        <a:effectLst/>
-      </c:spPr>
-      <c:txPr>
-        <a:bodyPr rot="0" spcFirstLastPara="1" vertOverflow="ellipsis" vert="horz" wrap="square" anchor="ctr" anchorCtr="1"/>
-        <a:lstStyle/>
-        <a:p>
-          <a:pPr>
-            <a:defRPr sz="1197" b="0" i="0" u="none" strike="noStrike" kern="1200" baseline="0">
-              <a:solidFill>
-                <a:schemeClr val="tx1">
-                  <a:lumMod val="65000"/>
-                  <a:lumOff val="35000"/>
-                </a:schemeClr>
-              </a:solidFill>
-              <a:latin typeface="+mn-lt"/>
-              <a:ea typeface="+mn-ea"/>
-              <a:cs typeface="+mn-cs"/>
-            </a:defRPr>
-          </a:pPr>
-          <a:endParaRPr lang="bg-BG"/>
-        </a:p>
-      </c:txPr>
-    </c:legend>
-    <c:plotVisOnly val="1"/>
-    <c:dispBlanksAs val="gap"/>
-    <c:showDLblsOverMax val="0"/>
-  </c:chart>
-  <c:spPr>
-    <a:noFill/>
-    <a:ln>
-      <a:noFill/>
-    </a:ln>
-    <a:effectLst/>
-  </c:spPr>
-  <c:txPr>
-    <a:bodyPr/>
-    <a:lstStyle/>
-    <a:p>
-      <a:pPr>
-        <a:defRPr/>
-      </a:pPr>
-      <a:endParaRPr lang="bg-BG"/>
-    </a:p>
-  </c:txPr>
-  <c:externalData r:id="rId3">
-    <c:autoUpdate val="0"/>
-  </c:externalData>
-</c:chartSpace>
-</file>
-
-<file path=ppt/charts/chart3.xml><?xml version="1.0" encoding="utf-8"?>
-<c:chartSpace xmlns:c="http://schemas.openxmlformats.org/drawingml/2006/chart" xmlns:a="http://schemas.openxmlformats.org/drawingml/2006/main" xmlns:r="http://schemas.openxmlformats.org/officeDocument/2006/relationships">
-  <c:date1904 val="0"/>
-  <c:lang val="en-US"/>
-  <c:roundedCorners val="0"/>
-  <mc:AlternateContent xmlns:mc="http://schemas.openxmlformats.org/markup-compatibility/2006">
-    <mc:Choice xmlns:c14="http://schemas.microsoft.com/office/drawing/2007/8/2/chart" Requires="c14">
-      <c14:style val="102"/>
-    </mc:Choice>
-    <mc:Fallback>
-      <c:style val="2"/>
-    </mc:Fallback>
-  </mc:AlternateContent>
-  <c:chart>
-    <c:autoTitleDeleted val="1"/>
-    <c:plotArea>
-      <c:layout/>
-      <c:barChart>
-        <c:barDir val="col"/>
-        <c:grouping val="clustered"/>
-        <c:varyColors val="0"/>
-        <c:ser>
-          <c:idx val="0"/>
-          <c:order val="0"/>
-          <c:tx>
-            <c:strRef>
-              <c:f>Sheet1!$B$1</c:f>
-              <c:strCache>
-                <c:ptCount val="1"/>
-                <c:pt idx="0">
-                  <c:v>Low</c:v>
-                </c:pt>
-              </c:strCache>
-            </c:strRef>
-          </c:tx>
-          <c:spPr>
-            <a:solidFill>
-              <a:schemeClr val="accent1"/>
-            </a:solidFill>
-            <a:ln>
-              <a:noFill/>
-            </a:ln>
-            <a:effectLst/>
-          </c:spPr>
-          <c:invertIfNegative val="0"/>
-          <c:cat>
-            <c:strRef>
-              <c:f>Sheet1!$A$2</c:f>
-              <c:strCache>
-                <c:ptCount val="1"/>
-                <c:pt idx="0">
-                  <c:v>Category 1</c:v>
-                </c:pt>
-              </c:strCache>
-            </c:strRef>
-          </c:cat>
-          <c:val>
-            <c:numRef>
-              <c:f>Sheet1!$B$2</c:f>
-              <c:numCache>
-                <c:formatCode>General</c:formatCode>
-                <c:ptCount val="1"/>
-                <c:pt idx="0">
-                  <c:v>0</c:v>
-                </c:pt>
-              </c:numCache>
-            </c:numRef>
-          </c:val>
-        </c:ser>
-        <c:ser>
-          <c:idx val="1"/>
-          <c:order val="1"/>
-          <c:tx>
-            <c:strRef>
-              <c:f>Sheet1!$C$1</c:f>
-              <c:strCache>
-                <c:ptCount val="1"/>
-                <c:pt idx="0">
-                  <c:v>Medium</c:v>
-                </c:pt>
-              </c:strCache>
-            </c:strRef>
-          </c:tx>
-          <c:spPr>
-            <a:solidFill>
-              <a:srgbClr val="FFFF00"/>
-            </a:solidFill>
-            <a:ln>
-              <a:noFill/>
-            </a:ln>
-            <a:effectLst/>
-          </c:spPr>
-          <c:invertIfNegative val="0"/>
-          <c:cat>
-            <c:strRef>
-              <c:f>Sheet1!$A$2</c:f>
-              <c:strCache>
-                <c:ptCount val="1"/>
-                <c:pt idx="0">
-                  <c:v>Category 1</c:v>
-                </c:pt>
-              </c:strCache>
-            </c:strRef>
-          </c:cat>
-          <c:val>
-            <c:numRef>
-              <c:f>Sheet1!$C$2</c:f>
-              <c:numCache>
-                <c:formatCode>General</c:formatCode>
-                <c:ptCount val="1"/>
-                <c:pt idx="0">
-                  <c:v>1</c:v>
-                </c:pt>
-              </c:numCache>
-            </c:numRef>
-          </c:val>
-        </c:ser>
-        <c:ser>
-          <c:idx val="2"/>
-          <c:order val="2"/>
-          <c:tx>
-            <c:strRef>
-              <c:f>Sheet1!$D$1</c:f>
-              <c:strCache>
-                <c:ptCount val="1"/>
-                <c:pt idx="0">
-                  <c:v>High</c:v>
-                </c:pt>
-              </c:strCache>
-            </c:strRef>
-          </c:tx>
-          <c:spPr>
-            <a:solidFill>
-              <a:srgbClr val="FFC000"/>
-            </a:solidFill>
-            <a:ln>
-              <a:noFill/>
-            </a:ln>
-            <a:effectLst/>
-          </c:spPr>
-          <c:invertIfNegative val="0"/>
-          <c:cat>
-            <c:strRef>
-              <c:f>Sheet1!$A$2</c:f>
-              <c:strCache>
-                <c:ptCount val="1"/>
-                <c:pt idx="0">
-                  <c:v>Category 1</c:v>
-                </c:pt>
-              </c:strCache>
-            </c:strRef>
-          </c:cat>
-          <c:val>
-            <c:numRef>
-              <c:f>Sheet1!$D$2</c:f>
-              <c:numCache>
-                <c:formatCode>General</c:formatCode>
-                <c:ptCount val="1"/>
-                <c:pt idx="0">
-                  <c:v>2</c:v>
-                </c:pt>
-              </c:numCache>
-            </c:numRef>
-          </c:val>
-        </c:ser>
-        <c:ser>
-          <c:idx val="3"/>
-          <c:order val="3"/>
-          <c:tx>
-            <c:strRef>
-              <c:f>Sheet1!$E$1</c:f>
-              <c:strCache>
-                <c:ptCount val="1"/>
-                <c:pt idx="0">
-                  <c:v>Critical</c:v>
-                </c:pt>
-              </c:strCache>
-            </c:strRef>
-          </c:tx>
-          <c:spPr>
-            <a:solidFill>
-              <a:schemeClr val="accent4"/>
-            </a:solidFill>
-            <a:ln>
-              <a:noFill/>
-            </a:ln>
-            <a:effectLst/>
-          </c:spPr>
-          <c:invertIfNegative val="0"/>
-          <c:cat>
-            <c:strRef>
-              <c:f>Sheet1!$A$2</c:f>
-              <c:strCache>
-                <c:ptCount val="1"/>
-                <c:pt idx="0">
-                  <c:v>Category 1</c:v>
-                </c:pt>
-              </c:strCache>
-            </c:strRef>
-          </c:cat>
-          <c:val>
-            <c:numRef>
-              <c:f>Sheet1!$E$2</c:f>
-              <c:numCache>
-                <c:formatCode>General</c:formatCode>
-                <c:ptCount val="1"/>
-                <c:pt idx="0">
-                  <c:v>0</c:v>
-                </c:pt>
-              </c:numCache>
-            </c:numRef>
-          </c:val>
-        </c:ser>
-        <c:dLbls>
-          <c:showLegendKey val="0"/>
-          <c:showVal val="0"/>
-          <c:showCatName val="0"/>
-          <c:showSerName val="0"/>
-          <c:showPercent val="0"/>
-          <c:showBubbleSize val="0"/>
-        </c:dLbls>
-        <c:gapWidth val="219"/>
-        <c:overlap val="-27"/>
-        <c:axId val="231548512"/>
-        <c:axId val="542237152"/>
-      </c:barChart>
-      <c:catAx>
-        <c:axId val="231548512"/>
-        <c:scaling>
-          <c:orientation val="minMax"/>
-        </c:scaling>
-        <c:delete val="0"/>
-        <c:axPos val="b"/>
-        <c:numFmt formatCode="General" sourceLinked="1"/>
-        <c:majorTickMark val="none"/>
-        <c:minorTickMark val="none"/>
-        <c:tickLblPos val="nextTo"/>
-        <c:spPr>
-          <a:noFill/>
-          <a:ln w="9525" cap="flat" cmpd="sng" algn="ctr">
-            <a:solidFill>
-              <a:schemeClr val="tx1">
-                <a:lumMod val="15000"/>
-                <a:lumOff val="85000"/>
-              </a:schemeClr>
-            </a:solidFill>
-            <a:round/>
-          </a:ln>
-          <a:effectLst/>
-        </c:spPr>
-        <c:txPr>
-          <a:bodyPr rot="-60000000" spcFirstLastPara="1" vertOverflow="ellipsis" vert="horz" wrap="square" anchor="ctr" anchorCtr="1"/>
-          <a:lstStyle/>
-          <a:p>
-            <a:pPr>
-              <a:defRPr sz="1197" b="0" i="0" u="none" strike="noStrike" kern="1200" baseline="0">
-                <a:solidFill>
-                  <a:schemeClr val="tx1">
-                    <a:lumMod val="65000"/>
-                    <a:lumOff val="35000"/>
-                  </a:schemeClr>
-                </a:solidFill>
-                <a:latin typeface="+mn-lt"/>
-                <a:ea typeface="+mn-ea"/>
-                <a:cs typeface="+mn-cs"/>
-              </a:defRPr>
-            </a:pPr>
-            <a:endParaRPr lang="bg-BG"/>
-          </a:p>
-        </c:txPr>
-        <c:crossAx val="542237152"/>
-        <c:crosses val="autoZero"/>
-        <c:auto val="1"/>
-        <c:lblAlgn val="ctr"/>
-        <c:lblOffset val="100"/>
-        <c:noMultiLvlLbl val="0"/>
-      </c:catAx>
-      <c:valAx>
-        <c:axId val="542237152"/>
-        <c:scaling>
-          <c:orientation val="minMax"/>
-        </c:scaling>
-        <c:delete val="0"/>
-        <c:axPos val="l"/>
-        <c:majorGridlines>
-          <c:spPr>
-            <a:ln w="9525" cap="flat" cmpd="sng" algn="ctr">
-              <a:solidFill>
-                <a:schemeClr val="tx1">
-                  <a:lumMod val="15000"/>
-                  <a:lumOff val="85000"/>
-                </a:schemeClr>
-              </a:solidFill>
-              <a:round/>
-            </a:ln>
-            <a:effectLst>
-              <a:outerShdw sx="1000" sy="1000" algn="ctr" rotWithShape="0">
-                <a:schemeClr val="tx1"/>
-              </a:outerShdw>
-            </a:effectLst>
-          </c:spPr>
-        </c:majorGridlines>
-        <c:numFmt formatCode="General" sourceLinked="1"/>
-        <c:majorTickMark val="none"/>
-        <c:minorTickMark val="none"/>
-        <c:tickLblPos val="nextTo"/>
-        <c:spPr>
-          <a:noFill/>
-          <a:ln>
-            <a:noFill/>
-          </a:ln>
-          <a:effectLst/>
-        </c:spPr>
-        <c:txPr>
-          <a:bodyPr rot="-60000000" spcFirstLastPara="1" vertOverflow="ellipsis" vert="horz" wrap="square" anchor="ctr" anchorCtr="1"/>
-          <a:lstStyle/>
-          <a:p>
-            <a:pPr>
-              <a:defRPr sz="1197" b="0" i="0" u="none" strike="noStrike" kern="1200" baseline="0">
-                <a:solidFill>
-                  <a:schemeClr val="tx1">
-                    <a:lumMod val="65000"/>
-                    <a:lumOff val="35000"/>
-                  </a:schemeClr>
-                </a:solidFill>
-                <a:latin typeface="+mn-lt"/>
-                <a:ea typeface="+mn-ea"/>
-                <a:cs typeface="+mn-cs"/>
-              </a:defRPr>
-            </a:pPr>
-            <a:endParaRPr lang="bg-BG"/>
-          </a:p>
-        </c:txPr>
-        <c:crossAx val="231548512"/>
+        <c:crossAx val="-282229536"/>
         <c:crosses val="autoZero"/>
         <c:crossBetween val="between"/>
       </c:valAx>
@@ -1178,6 +1117,402 @@
 </file>
 
 <file path=ppt/charts/chart4.xml><?xml version="1.0" encoding="utf-8"?>
+<c:chartSpace xmlns:c="http://schemas.openxmlformats.org/drawingml/2006/chart" xmlns:a="http://schemas.openxmlformats.org/drawingml/2006/main" xmlns:r="http://schemas.openxmlformats.org/officeDocument/2006/relationships">
+  <c:date1904 val="0"/>
+  <c:lang val="en-US"/>
+  <c:roundedCorners val="0"/>
+  <mc:AlternateContent xmlns:mc="http://schemas.openxmlformats.org/markup-compatibility/2006">
+    <mc:Choice xmlns:c14="http://schemas.microsoft.com/office/drawing/2007/8/2/chart" Requires="c14">
+      <c14:style val="102"/>
+    </mc:Choice>
+    <mc:Fallback>
+      <c:style val="2"/>
+    </mc:Fallback>
+  </mc:AlternateContent>
+  <c:chart>
+    <c:autoTitleDeleted val="1"/>
+    <c:plotArea>
+      <c:layout/>
+      <c:barChart>
+        <c:barDir val="col"/>
+        <c:grouping val="clustered"/>
+        <c:varyColors val="0"/>
+        <c:ser>
+          <c:idx val="0"/>
+          <c:order val="0"/>
+          <c:tx>
+            <c:strRef>
+              <c:f>Sheet1!$B$1</c:f>
+              <c:strCache>
+                <c:ptCount val="1"/>
+                <c:pt idx="0">
+                  <c:v>Low</c:v>
+                </c:pt>
+              </c:strCache>
+            </c:strRef>
+          </c:tx>
+          <c:spPr>
+            <a:solidFill>
+              <a:schemeClr val="accent1"/>
+            </a:solidFill>
+            <a:ln>
+              <a:noFill/>
+            </a:ln>
+            <a:effectLst/>
+          </c:spPr>
+          <c:invertIfNegative val="0"/>
+          <c:cat>
+            <c:numRef>
+              <c:f>Sheet1!$A$2</c:f>
+              <c:numCache>
+                <c:formatCode>General</c:formatCode>
+                <c:ptCount val="1"/>
+              </c:numCache>
+            </c:numRef>
+          </c:cat>
+          <c:val>
+            <c:numRef>
+              <c:f>Sheet1!$B$2</c:f>
+              <c:numCache>
+                <c:formatCode>General</c:formatCode>
+                <c:ptCount val="1"/>
+                <c:pt idx="0">
+                  <c:v>0</c:v>
+                </c:pt>
+              </c:numCache>
+            </c:numRef>
+          </c:val>
+        </c:ser>
+        <c:ser>
+          <c:idx val="1"/>
+          <c:order val="1"/>
+          <c:tx>
+            <c:strRef>
+              <c:f>Sheet1!$C$1</c:f>
+              <c:strCache>
+                <c:ptCount val="1"/>
+                <c:pt idx="0">
+                  <c:v>Medium</c:v>
+                </c:pt>
+              </c:strCache>
+            </c:strRef>
+          </c:tx>
+          <c:spPr>
+            <a:solidFill>
+              <a:srgbClr val="FFFF00"/>
+            </a:solidFill>
+            <a:ln>
+              <a:noFill/>
+            </a:ln>
+            <a:effectLst/>
+          </c:spPr>
+          <c:invertIfNegative val="0"/>
+          <c:cat>
+            <c:numRef>
+              <c:f>Sheet1!$A$2</c:f>
+              <c:numCache>
+                <c:formatCode>General</c:formatCode>
+                <c:ptCount val="1"/>
+              </c:numCache>
+            </c:numRef>
+          </c:cat>
+          <c:val>
+            <c:numRef>
+              <c:f>Sheet1!$C$2</c:f>
+              <c:numCache>
+                <c:formatCode>General</c:formatCode>
+                <c:ptCount val="1"/>
+                <c:pt idx="0">
+                  <c:v>1</c:v>
+                </c:pt>
+              </c:numCache>
+            </c:numRef>
+          </c:val>
+        </c:ser>
+        <c:ser>
+          <c:idx val="2"/>
+          <c:order val="2"/>
+          <c:tx>
+            <c:strRef>
+              <c:f>Sheet1!$D$1</c:f>
+              <c:strCache>
+                <c:ptCount val="1"/>
+                <c:pt idx="0">
+                  <c:v>High</c:v>
+                </c:pt>
+              </c:strCache>
+            </c:strRef>
+          </c:tx>
+          <c:spPr>
+            <a:solidFill>
+              <a:srgbClr val="FFC000"/>
+            </a:solidFill>
+            <a:ln>
+              <a:noFill/>
+            </a:ln>
+            <a:effectLst/>
+          </c:spPr>
+          <c:invertIfNegative val="0"/>
+          <c:cat>
+            <c:numRef>
+              <c:f>Sheet1!$A$2</c:f>
+              <c:numCache>
+                <c:formatCode>General</c:formatCode>
+                <c:ptCount val="1"/>
+              </c:numCache>
+            </c:numRef>
+          </c:cat>
+          <c:val>
+            <c:numRef>
+              <c:f>Sheet1!$D$2</c:f>
+              <c:numCache>
+                <c:formatCode>General</c:formatCode>
+                <c:ptCount val="1"/>
+                <c:pt idx="0">
+                  <c:v>2</c:v>
+                </c:pt>
+              </c:numCache>
+            </c:numRef>
+          </c:val>
+        </c:ser>
+        <c:ser>
+          <c:idx val="3"/>
+          <c:order val="3"/>
+          <c:tx>
+            <c:strRef>
+              <c:f>Sheet1!$E$1</c:f>
+              <c:strCache>
+                <c:ptCount val="1"/>
+                <c:pt idx="0">
+                  <c:v>Critical</c:v>
+                </c:pt>
+              </c:strCache>
+            </c:strRef>
+          </c:tx>
+          <c:spPr>
+            <a:solidFill>
+              <a:schemeClr val="accent4"/>
+            </a:solidFill>
+            <a:ln>
+              <a:noFill/>
+            </a:ln>
+            <a:effectLst/>
+          </c:spPr>
+          <c:invertIfNegative val="0"/>
+          <c:cat>
+            <c:numRef>
+              <c:f>Sheet1!$A$2</c:f>
+              <c:numCache>
+                <c:formatCode>General</c:formatCode>
+                <c:ptCount val="1"/>
+              </c:numCache>
+            </c:numRef>
+          </c:cat>
+          <c:val>
+            <c:numRef>
+              <c:f>Sheet1!$E$2</c:f>
+              <c:numCache>
+                <c:formatCode>General</c:formatCode>
+                <c:ptCount val="1"/>
+                <c:pt idx="0">
+                  <c:v>0</c:v>
+                </c:pt>
+              </c:numCache>
+            </c:numRef>
+          </c:val>
+        </c:ser>
+        <c:dLbls>
+          <c:showLegendKey val="0"/>
+          <c:showVal val="0"/>
+          <c:showCatName val="0"/>
+          <c:showSerName val="0"/>
+          <c:showPercent val="0"/>
+          <c:showBubbleSize val="0"/>
+        </c:dLbls>
+        <c:gapWidth val="219"/>
+        <c:overlap val="-27"/>
+        <c:axId val="-282235520"/>
+        <c:axId val="-282227360"/>
+      </c:barChart>
+      <c:catAx>
+        <c:axId val="-282235520"/>
+        <c:scaling>
+          <c:orientation val="minMax"/>
+        </c:scaling>
+        <c:delete val="0"/>
+        <c:axPos val="b"/>
+        <c:numFmt formatCode="General" sourceLinked="1"/>
+        <c:majorTickMark val="none"/>
+        <c:minorTickMark val="none"/>
+        <c:tickLblPos val="nextTo"/>
+        <c:spPr>
+          <a:noFill/>
+          <a:ln w="9525" cap="flat" cmpd="sng" algn="ctr">
+            <a:solidFill>
+              <a:schemeClr val="tx1">
+                <a:lumMod val="15000"/>
+                <a:lumOff val="85000"/>
+              </a:schemeClr>
+            </a:solidFill>
+            <a:round/>
+          </a:ln>
+          <a:effectLst/>
+        </c:spPr>
+        <c:txPr>
+          <a:bodyPr rot="-60000000" spcFirstLastPara="1" vertOverflow="ellipsis" vert="horz" wrap="square" anchor="ctr" anchorCtr="1"/>
+          <a:lstStyle/>
+          <a:p>
+            <a:pPr>
+              <a:defRPr sz="1197" b="0" i="0" u="none" strike="noStrike" kern="1200" baseline="0">
+                <a:solidFill>
+                  <a:schemeClr val="tx1">
+                    <a:lumMod val="65000"/>
+                    <a:lumOff val="35000"/>
+                  </a:schemeClr>
+                </a:solidFill>
+                <a:latin typeface="+mn-lt"/>
+                <a:ea typeface="+mn-ea"/>
+                <a:cs typeface="+mn-cs"/>
+              </a:defRPr>
+            </a:pPr>
+            <a:endParaRPr lang="bg-BG"/>
+          </a:p>
+        </c:txPr>
+        <c:crossAx val="-282227360"/>
+        <c:crosses val="autoZero"/>
+        <c:auto val="1"/>
+        <c:lblAlgn val="ctr"/>
+        <c:lblOffset val="100"/>
+        <c:noMultiLvlLbl val="0"/>
+      </c:catAx>
+      <c:valAx>
+        <c:axId val="-282227360"/>
+        <c:scaling>
+          <c:orientation val="minMax"/>
+        </c:scaling>
+        <c:delete val="0"/>
+        <c:axPos val="l"/>
+        <c:majorGridlines>
+          <c:spPr>
+            <a:ln w="9525" cap="flat" cmpd="sng" algn="ctr">
+              <a:solidFill>
+                <a:schemeClr val="tx1">
+                  <a:lumMod val="15000"/>
+                  <a:lumOff val="85000"/>
+                </a:schemeClr>
+              </a:solidFill>
+              <a:round/>
+            </a:ln>
+            <a:effectLst>
+              <a:outerShdw sx="1000" sy="1000" algn="ctr" rotWithShape="0">
+                <a:schemeClr val="tx1"/>
+              </a:outerShdw>
+            </a:effectLst>
+          </c:spPr>
+        </c:majorGridlines>
+        <c:numFmt formatCode="General" sourceLinked="1"/>
+        <c:majorTickMark val="none"/>
+        <c:minorTickMark val="none"/>
+        <c:tickLblPos val="nextTo"/>
+        <c:spPr>
+          <a:noFill/>
+          <a:ln>
+            <a:noFill/>
+          </a:ln>
+          <a:effectLst/>
+        </c:spPr>
+        <c:txPr>
+          <a:bodyPr rot="-60000000" spcFirstLastPara="1" vertOverflow="ellipsis" vert="horz" wrap="square" anchor="ctr" anchorCtr="1"/>
+          <a:lstStyle/>
+          <a:p>
+            <a:pPr>
+              <a:defRPr sz="1197" b="0" i="0" u="none" strike="noStrike" kern="1200" baseline="0">
+                <a:solidFill>
+                  <a:schemeClr val="tx1">
+                    <a:lumMod val="65000"/>
+                    <a:lumOff val="35000"/>
+                  </a:schemeClr>
+                </a:solidFill>
+                <a:latin typeface="+mn-lt"/>
+                <a:ea typeface="+mn-ea"/>
+                <a:cs typeface="+mn-cs"/>
+              </a:defRPr>
+            </a:pPr>
+            <a:endParaRPr lang="bg-BG"/>
+          </a:p>
+        </c:txPr>
+        <c:crossAx val="-282235520"/>
+        <c:crosses val="autoZero"/>
+        <c:crossBetween val="between"/>
+      </c:valAx>
+      <c:spPr>
+        <a:noFill/>
+        <a:ln>
+          <a:noFill/>
+        </a:ln>
+        <a:effectLst/>
+      </c:spPr>
+    </c:plotArea>
+    <c:legend>
+      <c:legendPos val="b"/>
+      <c:layout/>
+      <c:overlay val="0"/>
+      <c:spPr>
+        <a:noFill/>
+        <a:ln>
+          <a:noFill/>
+        </a:ln>
+        <a:effectLst/>
+      </c:spPr>
+      <c:txPr>
+        <a:bodyPr rot="0" spcFirstLastPara="1" vertOverflow="ellipsis" vert="horz" wrap="square" anchor="ctr" anchorCtr="1"/>
+        <a:lstStyle/>
+        <a:p>
+          <a:pPr>
+            <a:defRPr sz="1197" b="0" i="0" u="none" strike="noStrike" kern="1200" baseline="0">
+              <a:solidFill>
+                <a:schemeClr val="tx1">
+                  <a:lumMod val="65000"/>
+                  <a:lumOff val="35000"/>
+                </a:schemeClr>
+              </a:solidFill>
+              <a:latin typeface="+mn-lt"/>
+              <a:ea typeface="+mn-ea"/>
+              <a:cs typeface="+mn-cs"/>
+            </a:defRPr>
+          </a:pPr>
+          <a:endParaRPr lang="bg-BG"/>
+        </a:p>
+      </c:txPr>
+    </c:legend>
+    <c:plotVisOnly val="1"/>
+    <c:dispBlanksAs val="gap"/>
+    <c:showDLblsOverMax val="0"/>
+  </c:chart>
+  <c:spPr>
+    <a:noFill/>
+    <a:ln>
+      <a:noFill/>
+    </a:ln>
+    <a:effectLst/>
+  </c:spPr>
+  <c:txPr>
+    <a:bodyPr/>
+    <a:lstStyle/>
+    <a:p>
+      <a:pPr>
+        <a:defRPr/>
+      </a:pPr>
+      <a:endParaRPr lang="bg-BG"/>
+    </a:p>
+  </c:txPr>
+  <c:externalData r:id="rId3">
+    <c:autoUpdate val="0"/>
+  </c:externalData>
+</c:chartSpace>
+</file>
+
+<file path=ppt/charts/chart5.xml><?xml version="1.0" encoding="utf-8"?>
 <c:chartSpace xmlns:c="http://schemas.openxmlformats.org/drawingml/2006/chart" xmlns:a="http://schemas.openxmlformats.org/drawingml/2006/main" xmlns:r="http://schemas.openxmlformats.org/officeDocument/2006/relationships">
   <c:date1904 val="0"/>
   <c:lang val="en-US"/>
@@ -1300,11 +1635,11 @@
         </c:dLbls>
         <c:gapWidth val="219"/>
         <c:overlap val="-27"/>
-        <c:axId val="530450880"/>
-        <c:axId val="530448704"/>
+        <c:axId val="-282013792"/>
+        <c:axId val="-2094787184"/>
       </c:barChart>
       <c:catAx>
-        <c:axId val="530450880"/>
+        <c:axId val="-282013792"/>
         <c:scaling>
           <c:orientation val="minMax"/>
         </c:scaling>
@@ -1347,7 +1682,7 @@
             <a:endParaRPr lang="bg-BG"/>
           </a:p>
         </c:txPr>
-        <c:crossAx val="530448704"/>
+        <c:crossAx val="-2094787184"/>
         <c:crosses val="autoZero"/>
         <c:auto val="1"/>
         <c:lblAlgn val="ctr"/>
@@ -1355,7 +1690,7 @@
         <c:noMultiLvlLbl val="0"/>
       </c:catAx>
       <c:valAx>
-        <c:axId val="530448704"/>
+        <c:axId val="-2094787184"/>
         <c:scaling>
           <c:orientation val="minMax"/>
         </c:scaling>
@@ -1406,7 +1741,7 @@
             <a:endParaRPr lang="bg-BG"/>
           </a:p>
         </c:txPr>
-        <c:crossAx val="530450880"/>
+        <c:crossAx val="-282013792"/>
         <c:crosses val="autoZero"/>
         <c:crossBetween val="between"/>
       </c:valAx>
@@ -1637,6 +1972,46 @@
 </cs:colorStyle>
 </file>
 
+<file path=ppt/charts/colors5.xml><?xml version="1.0" encoding="utf-8"?>
+<cs:colorStyle xmlns:cs="http://schemas.microsoft.com/office/drawing/2012/chartStyle" xmlns:a="http://schemas.openxmlformats.org/drawingml/2006/main" meth="cycle" id="10">
+  <a:schemeClr val="accent1"/>
+  <a:schemeClr val="accent2"/>
+  <a:schemeClr val="accent3"/>
+  <a:schemeClr val="accent4"/>
+  <a:schemeClr val="accent5"/>
+  <a:schemeClr val="accent6"/>
+  <cs:variation/>
+  <cs:variation>
+    <a:lumMod val="60000"/>
+  </cs:variation>
+  <cs:variation>
+    <a:lumMod val="80000"/>
+    <a:lumOff val="20000"/>
+  </cs:variation>
+  <cs:variation>
+    <a:lumMod val="80000"/>
+  </cs:variation>
+  <cs:variation>
+    <a:lumMod val="60000"/>
+    <a:lumOff val="40000"/>
+  </cs:variation>
+  <cs:variation>
+    <a:lumMod val="50000"/>
+  </cs:variation>
+  <cs:variation>
+    <a:lumMod val="70000"/>
+    <a:lumOff val="30000"/>
+  </cs:variation>
+  <cs:variation>
+    <a:lumMod val="70000"/>
+  </cs:variation>
+  <cs:variation>
+    <a:lumMod val="50000"/>
+    <a:lumOff val="50000"/>
+  </cs:variation>
+</cs:colorStyle>
+</file>
+
 <file path=ppt/charts/style1.xml><?xml version="1.0" encoding="utf-8"?>
 <cs:chartStyle xmlns:cs="http://schemas.microsoft.com/office/drawing/2012/chartStyle" xmlns:a="http://schemas.openxmlformats.org/drawingml/2006/main" id="201">
   <cs:axisTitle>
@@ -3147,6 +3522,509 @@
 </file>
 
 <file path=ppt/charts/style4.xml><?xml version="1.0" encoding="utf-8"?>
+<cs:chartStyle xmlns:cs="http://schemas.microsoft.com/office/drawing/2012/chartStyle" xmlns:a="http://schemas.openxmlformats.org/drawingml/2006/main" id="201">
+  <cs:axisTitle>
+    <cs:lnRef idx="0"/>
+    <cs:fillRef idx="0"/>
+    <cs:effectRef idx="0"/>
+    <cs:fontRef idx="minor">
+      <a:schemeClr val="tx1">
+        <a:lumMod val="65000"/>
+        <a:lumOff val="35000"/>
+      </a:schemeClr>
+    </cs:fontRef>
+    <cs:defRPr sz="1330" kern="1200"/>
+  </cs:axisTitle>
+  <cs:categoryAxis>
+    <cs:lnRef idx="0"/>
+    <cs:fillRef idx="0"/>
+    <cs:effectRef idx="0"/>
+    <cs:fontRef idx="minor">
+      <a:schemeClr val="tx1">
+        <a:lumMod val="65000"/>
+        <a:lumOff val="35000"/>
+      </a:schemeClr>
+    </cs:fontRef>
+    <cs:spPr>
+      <a:ln w="9525" cap="flat" cmpd="sng" algn="ctr">
+        <a:solidFill>
+          <a:schemeClr val="tx1">
+            <a:lumMod val="15000"/>
+            <a:lumOff val="85000"/>
+          </a:schemeClr>
+        </a:solidFill>
+        <a:round/>
+      </a:ln>
+    </cs:spPr>
+    <cs:defRPr sz="1197" kern="1200"/>
+  </cs:categoryAxis>
+  <cs:chartArea mods="allowNoFillOverride allowNoLineOverride">
+    <cs:lnRef idx="0"/>
+    <cs:fillRef idx="0"/>
+    <cs:effectRef idx="0"/>
+    <cs:fontRef idx="minor">
+      <a:schemeClr val="tx1"/>
+    </cs:fontRef>
+    <cs:spPr>
+      <a:solidFill>
+        <a:schemeClr val="bg1"/>
+      </a:solidFill>
+      <a:ln w="9525" cap="flat" cmpd="sng" algn="ctr">
+        <a:solidFill>
+          <a:schemeClr val="tx1">
+            <a:lumMod val="15000"/>
+            <a:lumOff val="85000"/>
+          </a:schemeClr>
+        </a:solidFill>
+        <a:round/>
+      </a:ln>
+    </cs:spPr>
+    <cs:defRPr sz="1330" kern="1200"/>
+  </cs:chartArea>
+  <cs:dataLabel>
+    <cs:lnRef idx="0"/>
+    <cs:fillRef idx="0"/>
+    <cs:effectRef idx="0"/>
+    <cs:fontRef idx="minor">
+      <a:schemeClr val="tx1">
+        <a:lumMod val="75000"/>
+        <a:lumOff val="25000"/>
+      </a:schemeClr>
+    </cs:fontRef>
+    <cs:defRPr sz="1197" kern="1200"/>
+  </cs:dataLabel>
+  <cs:dataLabelCallout>
+    <cs:lnRef idx="0"/>
+    <cs:fillRef idx="0"/>
+    <cs:effectRef idx="0"/>
+    <cs:fontRef idx="minor">
+      <a:schemeClr val="dk1">
+        <a:lumMod val="65000"/>
+        <a:lumOff val="35000"/>
+      </a:schemeClr>
+    </cs:fontRef>
+    <cs:spPr>
+      <a:solidFill>
+        <a:schemeClr val="lt1"/>
+      </a:solidFill>
+      <a:ln>
+        <a:solidFill>
+          <a:schemeClr val="dk1">
+            <a:lumMod val="25000"/>
+            <a:lumOff val="75000"/>
+          </a:schemeClr>
+        </a:solidFill>
+      </a:ln>
+    </cs:spPr>
+    <cs:defRPr sz="1197" kern="1200"/>
+    <cs:bodyPr rot="0" spcFirstLastPara="1" vertOverflow="clip" horzOverflow="clip" vert="horz" wrap="square" lIns="36576" tIns="18288" rIns="36576" bIns="18288" anchor="ctr" anchorCtr="1">
+      <a:spAutoFit/>
+    </cs:bodyPr>
+  </cs:dataLabelCallout>
+  <cs:dataPoint>
+    <cs:lnRef idx="0"/>
+    <cs:fillRef idx="1">
+      <cs:styleClr val="auto"/>
+    </cs:fillRef>
+    <cs:effectRef idx="0"/>
+    <cs:fontRef idx="minor">
+      <a:schemeClr val="tx1"/>
+    </cs:fontRef>
+  </cs:dataPoint>
+  <cs:dataPoint3D>
+    <cs:lnRef idx="0"/>
+    <cs:fillRef idx="1">
+      <cs:styleClr val="auto"/>
+    </cs:fillRef>
+    <cs:effectRef idx="0"/>
+    <cs:fontRef idx="minor">
+      <a:schemeClr val="tx1"/>
+    </cs:fontRef>
+  </cs:dataPoint3D>
+  <cs:dataPointLine>
+    <cs:lnRef idx="0">
+      <cs:styleClr val="auto"/>
+    </cs:lnRef>
+    <cs:fillRef idx="1"/>
+    <cs:effectRef idx="0"/>
+    <cs:fontRef idx="minor">
+      <a:schemeClr val="tx1"/>
+    </cs:fontRef>
+    <cs:spPr>
+      <a:ln w="28575" cap="rnd">
+        <a:solidFill>
+          <a:schemeClr val="phClr"/>
+        </a:solidFill>
+        <a:round/>
+      </a:ln>
+    </cs:spPr>
+  </cs:dataPointLine>
+  <cs:dataPointMarker>
+    <cs:lnRef idx="0">
+      <cs:styleClr val="auto"/>
+    </cs:lnRef>
+    <cs:fillRef idx="1">
+      <cs:styleClr val="auto"/>
+    </cs:fillRef>
+    <cs:effectRef idx="0"/>
+    <cs:fontRef idx="minor">
+      <a:schemeClr val="tx1"/>
+    </cs:fontRef>
+    <cs:spPr>
+      <a:ln w="9525">
+        <a:solidFill>
+          <a:schemeClr val="phClr"/>
+        </a:solidFill>
+      </a:ln>
+    </cs:spPr>
+  </cs:dataPointMarker>
+  <cs:dataPointMarkerLayout symbol="circle" size="5"/>
+  <cs:dataPointWireframe>
+    <cs:lnRef idx="0">
+      <cs:styleClr val="auto"/>
+    </cs:lnRef>
+    <cs:fillRef idx="1"/>
+    <cs:effectRef idx="0"/>
+    <cs:fontRef idx="minor">
+      <a:schemeClr val="tx1"/>
+    </cs:fontRef>
+    <cs:spPr>
+      <a:ln w="9525" cap="rnd">
+        <a:solidFill>
+          <a:schemeClr val="phClr"/>
+        </a:solidFill>
+        <a:round/>
+      </a:ln>
+    </cs:spPr>
+  </cs:dataPointWireframe>
+  <cs:dataTable>
+    <cs:lnRef idx="0"/>
+    <cs:fillRef idx="0"/>
+    <cs:effectRef idx="0"/>
+    <cs:fontRef idx="minor">
+      <a:schemeClr val="tx1">
+        <a:lumMod val="65000"/>
+        <a:lumOff val="35000"/>
+      </a:schemeClr>
+    </cs:fontRef>
+    <cs:spPr>
+      <a:noFill/>
+      <a:ln w="9525" cap="flat" cmpd="sng" algn="ctr">
+        <a:solidFill>
+          <a:schemeClr val="tx1">
+            <a:lumMod val="15000"/>
+            <a:lumOff val="85000"/>
+          </a:schemeClr>
+        </a:solidFill>
+        <a:round/>
+      </a:ln>
+    </cs:spPr>
+    <cs:defRPr sz="1197" kern="1200"/>
+  </cs:dataTable>
+  <cs:downBar>
+    <cs:lnRef idx="0"/>
+    <cs:fillRef idx="0"/>
+    <cs:effectRef idx="0"/>
+    <cs:fontRef idx="minor">
+      <a:schemeClr val="dk1"/>
+    </cs:fontRef>
+    <cs:spPr>
+      <a:solidFill>
+        <a:schemeClr val="dk1">
+          <a:lumMod val="65000"/>
+          <a:lumOff val="35000"/>
+        </a:schemeClr>
+      </a:solidFill>
+      <a:ln w="9525">
+        <a:solidFill>
+          <a:schemeClr val="tx1">
+            <a:lumMod val="65000"/>
+            <a:lumOff val="35000"/>
+          </a:schemeClr>
+        </a:solidFill>
+      </a:ln>
+    </cs:spPr>
+  </cs:downBar>
+  <cs:dropLine>
+    <cs:lnRef idx="0"/>
+    <cs:fillRef idx="0"/>
+    <cs:effectRef idx="0"/>
+    <cs:fontRef idx="minor">
+      <a:schemeClr val="tx1"/>
+    </cs:fontRef>
+    <cs:spPr>
+      <a:ln w="9525" cap="flat" cmpd="sng" algn="ctr">
+        <a:solidFill>
+          <a:schemeClr val="tx1">
+            <a:lumMod val="35000"/>
+            <a:lumOff val="65000"/>
+          </a:schemeClr>
+        </a:solidFill>
+        <a:round/>
+      </a:ln>
+    </cs:spPr>
+  </cs:dropLine>
+  <cs:errorBar>
+    <cs:lnRef idx="0"/>
+    <cs:fillRef idx="0"/>
+    <cs:effectRef idx="0"/>
+    <cs:fontRef idx="minor">
+      <a:schemeClr val="tx1"/>
+    </cs:fontRef>
+    <cs:spPr>
+      <a:ln w="9525" cap="flat" cmpd="sng" algn="ctr">
+        <a:solidFill>
+          <a:schemeClr val="tx1">
+            <a:lumMod val="65000"/>
+            <a:lumOff val="35000"/>
+          </a:schemeClr>
+        </a:solidFill>
+        <a:round/>
+      </a:ln>
+    </cs:spPr>
+  </cs:errorBar>
+  <cs:floor>
+    <cs:lnRef idx="0"/>
+    <cs:fillRef idx="0"/>
+    <cs:effectRef idx="0"/>
+    <cs:fontRef idx="minor">
+      <a:schemeClr val="tx1"/>
+    </cs:fontRef>
+    <cs:spPr>
+      <a:noFill/>
+      <a:ln>
+        <a:noFill/>
+      </a:ln>
+    </cs:spPr>
+  </cs:floor>
+  <cs:gridlineMajor>
+    <cs:lnRef idx="0"/>
+    <cs:fillRef idx="0"/>
+    <cs:effectRef idx="0"/>
+    <cs:fontRef idx="minor">
+      <a:schemeClr val="tx1"/>
+    </cs:fontRef>
+    <cs:spPr>
+      <a:ln w="9525" cap="flat" cmpd="sng" algn="ctr">
+        <a:solidFill>
+          <a:schemeClr val="tx1">
+            <a:lumMod val="15000"/>
+            <a:lumOff val="85000"/>
+          </a:schemeClr>
+        </a:solidFill>
+        <a:round/>
+      </a:ln>
+    </cs:spPr>
+  </cs:gridlineMajor>
+  <cs:gridlineMinor>
+    <cs:lnRef idx="0"/>
+    <cs:fillRef idx="0"/>
+    <cs:effectRef idx="0"/>
+    <cs:fontRef idx="minor">
+      <a:schemeClr val="tx1"/>
+    </cs:fontRef>
+    <cs:spPr>
+      <a:ln w="9525" cap="flat" cmpd="sng" algn="ctr">
+        <a:solidFill>
+          <a:schemeClr val="tx1">
+            <a:lumMod val="5000"/>
+            <a:lumOff val="95000"/>
+          </a:schemeClr>
+        </a:solidFill>
+        <a:round/>
+      </a:ln>
+    </cs:spPr>
+  </cs:gridlineMinor>
+  <cs:hiLoLine>
+    <cs:lnRef idx="0"/>
+    <cs:fillRef idx="0"/>
+    <cs:effectRef idx="0"/>
+    <cs:fontRef idx="minor">
+      <a:schemeClr val="tx1"/>
+    </cs:fontRef>
+    <cs:spPr>
+      <a:ln w="9525" cap="flat" cmpd="sng" algn="ctr">
+        <a:solidFill>
+          <a:schemeClr val="tx1">
+            <a:lumMod val="75000"/>
+            <a:lumOff val="25000"/>
+          </a:schemeClr>
+        </a:solidFill>
+        <a:round/>
+      </a:ln>
+    </cs:spPr>
+  </cs:hiLoLine>
+  <cs:leaderLine>
+    <cs:lnRef idx="0"/>
+    <cs:fillRef idx="0"/>
+    <cs:effectRef idx="0"/>
+    <cs:fontRef idx="minor">
+      <a:schemeClr val="tx1"/>
+    </cs:fontRef>
+    <cs:spPr>
+      <a:ln w="9525" cap="flat" cmpd="sng" algn="ctr">
+        <a:solidFill>
+          <a:schemeClr val="tx1">
+            <a:lumMod val="35000"/>
+            <a:lumOff val="65000"/>
+          </a:schemeClr>
+        </a:solidFill>
+        <a:round/>
+      </a:ln>
+    </cs:spPr>
+  </cs:leaderLine>
+  <cs:legend>
+    <cs:lnRef idx="0"/>
+    <cs:fillRef idx="0"/>
+    <cs:effectRef idx="0"/>
+    <cs:fontRef idx="minor">
+      <a:schemeClr val="tx1">
+        <a:lumMod val="65000"/>
+        <a:lumOff val="35000"/>
+      </a:schemeClr>
+    </cs:fontRef>
+    <cs:defRPr sz="1197" kern="1200"/>
+  </cs:legend>
+  <cs:plotArea mods="allowNoFillOverride allowNoLineOverride">
+    <cs:lnRef idx="0"/>
+    <cs:fillRef idx="0"/>
+    <cs:effectRef idx="0"/>
+    <cs:fontRef idx="minor">
+      <a:schemeClr val="tx1"/>
+    </cs:fontRef>
+  </cs:plotArea>
+  <cs:plotArea3D mods="allowNoFillOverride allowNoLineOverride">
+    <cs:lnRef idx="0"/>
+    <cs:fillRef idx="0"/>
+    <cs:effectRef idx="0"/>
+    <cs:fontRef idx="minor">
+      <a:schemeClr val="tx1"/>
+    </cs:fontRef>
+  </cs:plotArea3D>
+  <cs:seriesAxis>
+    <cs:lnRef idx="0"/>
+    <cs:fillRef idx="0"/>
+    <cs:effectRef idx="0"/>
+    <cs:fontRef idx="minor">
+      <a:schemeClr val="tx1">
+        <a:lumMod val="65000"/>
+        <a:lumOff val="35000"/>
+      </a:schemeClr>
+    </cs:fontRef>
+    <cs:defRPr sz="1197" kern="1200"/>
+  </cs:seriesAxis>
+  <cs:seriesLine>
+    <cs:lnRef idx="0"/>
+    <cs:fillRef idx="0"/>
+    <cs:effectRef idx="0"/>
+    <cs:fontRef idx="minor">
+      <a:schemeClr val="tx1"/>
+    </cs:fontRef>
+    <cs:spPr>
+      <a:ln w="9525" cap="flat" cmpd="sng" algn="ctr">
+        <a:solidFill>
+          <a:schemeClr val="tx1">
+            <a:lumMod val="35000"/>
+            <a:lumOff val="65000"/>
+          </a:schemeClr>
+        </a:solidFill>
+        <a:round/>
+      </a:ln>
+    </cs:spPr>
+  </cs:seriesLine>
+  <cs:title>
+    <cs:lnRef idx="0"/>
+    <cs:fillRef idx="0"/>
+    <cs:effectRef idx="0"/>
+    <cs:fontRef idx="minor">
+      <a:schemeClr val="tx1">
+        <a:lumMod val="65000"/>
+        <a:lumOff val="35000"/>
+      </a:schemeClr>
+    </cs:fontRef>
+    <cs:defRPr sz="1862" b="0" kern="1200" spc="0" baseline="0"/>
+  </cs:title>
+  <cs:trendline>
+    <cs:lnRef idx="0">
+      <cs:styleClr val="auto"/>
+    </cs:lnRef>
+    <cs:fillRef idx="0"/>
+    <cs:effectRef idx="0"/>
+    <cs:fontRef idx="minor">
+      <a:schemeClr val="tx1"/>
+    </cs:fontRef>
+    <cs:spPr>
+      <a:ln w="19050" cap="rnd">
+        <a:solidFill>
+          <a:schemeClr val="phClr"/>
+        </a:solidFill>
+        <a:prstDash val="sysDot"/>
+      </a:ln>
+    </cs:spPr>
+  </cs:trendline>
+  <cs:trendlineLabel>
+    <cs:lnRef idx="0"/>
+    <cs:fillRef idx="0"/>
+    <cs:effectRef idx="0"/>
+    <cs:fontRef idx="minor">
+      <a:schemeClr val="tx1">
+        <a:lumMod val="65000"/>
+        <a:lumOff val="35000"/>
+      </a:schemeClr>
+    </cs:fontRef>
+    <cs:defRPr sz="1197" kern="1200"/>
+  </cs:trendlineLabel>
+  <cs:upBar>
+    <cs:lnRef idx="0"/>
+    <cs:fillRef idx="0"/>
+    <cs:effectRef idx="0"/>
+    <cs:fontRef idx="minor">
+      <a:schemeClr val="dk1"/>
+    </cs:fontRef>
+    <cs:spPr>
+      <a:solidFill>
+        <a:schemeClr val="lt1"/>
+      </a:solidFill>
+      <a:ln w="9525">
+        <a:solidFill>
+          <a:schemeClr val="tx1">
+            <a:lumMod val="15000"/>
+            <a:lumOff val="85000"/>
+          </a:schemeClr>
+        </a:solidFill>
+      </a:ln>
+    </cs:spPr>
+  </cs:upBar>
+  <cs:valueAxis>
+    <cs:lnRef idx="0"/>
+    <cs:fillRef idx="0"/>
+    <cs:effectRef idx="0"/>
+    <cs:fontRef idx="minor">
+      <a:schemeClr val="tx1">
+        <a:lumMod val="65000"/>
+        <a:lumOff val="35000"/>
+      </a:schemeClr>
+    </cs:fontRef>
+    <cs:defRPr sz="1197" kern="1200"/>
+  </cs:valueAxis>
+  <cs:wall>
+    <cs:lnRef idx="0"/>
+    <cs:fillRef idx="0"/>
+    <cs:effectRef idx="0"/>
+    <cs:fontRef idx="minor">
+      <a:schemeClr val="tx1"/>
+    </cs:fontRef>
+    <cs:spPr>
+      <a:noFill/>
+      <a:ln>
+        <a:noFill/>
+      </a:ln>
+    </cs:spPr>
+  </cs:wall>
+</cs:chartStyle>
+</file>
+
+<file path=ppt/charts/style5.xml><?xml version="1.0" encoding="utf-8"?>
 <cs:chartStyle xmlns:cs="http://schemas.microsoft.com/office/drawing/2012/chartStyle" xmlns:a="http://schemas.openxmlformats.org/drawingml/2006/main" id="201">
   <cs:axisTitle>
     <cs:lnRef idx="0"/>
@@ -10779,7 +11657,7 @@
             <p:ph idx="1"/>
             <p:extLst>
               <p:ext uri="{D42A27DB-BD31-4B8C-83A1-F6EECF244321}">
-                <p14:modId xmlns:p14="http://schemas.microsoft.com/office/powerpoint/2010/main" val="2057040753"/>
+                <p14:modId xmlns:p14="http://schemas.microsoft.com/office/powerpoint/2010/main" val="1457791221"/>
               </p:ext>
             </p:extLst>
           </p:nvPr>
@@ -10870,7 +11748,7 @@
     </p:spTree>
     <p:extLst>
       <p:ext uri="{BB962C8B-B14F-4D97-AF65-F5344CB8AC3E}">
-        <p14:creationId xmlns:p14="http://schemas.microsoft.com/office/powerpoint/2010/main" val="1131116430"/>
+        <p14:creationId xmlns:p14="http://schemas.microsoft.com/office/powerpoint/2010/main" val="2752019530"/>
       </p:ext>
     </p:extLst>
   </p:cSld>
@@ -10899,7 +11777,7 @@
       </p:grpSpPr>
       <p:graphicFrame>
         <p:nvGraphicFramePr>
-          <p:cNvPr id="19" name="Content Placeholder 18"/>
+          <p:cNvPr id="8" name="Content Placeholder 7"/>
           <p:cNvGraphicFramePr>
             <a:graphicFrameLocks noGrp="1"/>
           </p:cNvGraphicFramePr>
@@ -10907,7 +11785,7 @@
             <p:ph idx="1"/>
             <p:extLst>
               <p:ext uri="{D42A27DB-BD31-4B8C-83A1-F6EECF244321}">
-                <p14:modId xmlns:p14="http://schemas.microsoft.com/office/powerpoint/2010/main" val="1711496175"/>
+                <p14:modId xmlns:p14="http://schemas.microsoft.com/office/powerpoint/2010/main" val="1889480335"/>
               </p:ext>
             </p:extLst>
           </p:nvPr>
@@ -10939,7 +11817,11 @@
           <a:p>
             <a:r>
               <a:rPr lang="en-US" dirty="0" smtClean="0"/>
-              <a:t>Passing Tests</a:t>
+              <a:t>Number of </a:t>
+            </a:r>
+            <a:r>
+              <a:rPr lang="en-US" dirty="0" smtClean="0"/>
+              <a:t>ran tests</a:t>
             </a:r>
             <a:endParaRPr lang="bg-BG" dirty="0"/>
           </a:p>
@@ -10998,7 +11880,7 @@
     </p:spTree>
     <p:extLst>
       <p:ext uri="{BB962C8B-B14F-4D97-AF65-F5344CB8AC3E}">
-        <p14:creationId xmlns:p14="http://schemas.microsoft.com/office/powerpoint/2010/main" val="1881511497"/>
+        <p14:creationId xmlns:p14="http://schemas.microsoft.com/office/powerpoint/2010/main" val="1131116430"/>
       </p:ext>
     </p:extLst>
   </p:cSld>
@@ -11027,7 +11909,7 @@
       </p:grpSpPr>
       <p:graphicFrame>
         <p:nvGraphicFramePr>
-          <p:cNvPr id="8" name="Content Placeholder 7"/>
+          <p:cNvPr id="19" name="Content Placeholder 18"/>
           <p:cNvGraphicFramePr>
             <a:graphicFrameLocks noGrp="1"/>
           </p:cNvGraphicFramePr>
@@ -11035,7 +11917,7 @@
             <p:ph idx="1"/>
             <p:extLst>
               <p:ext uri="{D42A27DB-BD31-4B8C-83A1-F6EECF244321}">
-                <p14:modId xmlns:p14="http://schemas.microsoft.com/office/powerpoint/2010/main" val="410378624"/>
+                <p14:modId xmlns:p14="http://schemas.microsoft.com/office/powerpoint/2010/main" val="1711496175"/>
               </p:ext>
             </p:extLst>
           </p:nvPr>
@@ -11067,7 +11949,7 @@
           <a:p>
             <a:r>
               <a:rPr lang="en-US" dirty="0" smtClean="0"/>
-              <a:t>Failed test priority</a:t>
+              <a:t>Passing Tests</a:t>
             </a:r>
             <a:endParaRPr lang="bg-BG" dirty="0"/>
           </a:p>
@@ -11126,7 +12008,7 @@
     </p:spTree>
     <p:extLst>
       <p:ext uri="{BB962C8B-B14F-4D97-AF65-F5344CB8AC3E}">
-        <p14:creationId xmlns:p14="http://schemas.microsoft.com/office/powerpoint/2010/main" val="3402095337"/>
+        <p14:creationId xmlns:p14="http://schemas.microsoft.com/office/powerpoint/2010/main" val="1881511497"/>
       </p:ext>
     </p:extLst>
   </p:cSld>
@@ -11163,7 +12045,7 @@
             <p:ph idx="1"/>
             <p:extLst>
               <p:ext uri="{D42A27DB-BD31-4B8C-83A1-F6EECF244321}">
-                <p14:modId xmlns:p14="http://schemas.microsoft.com/office/powerpoint/2010/main" val="3135503546"/>
+                <p14:modId xmlns:p14="http://schemas.microsoft.com/office/powerpoint/2010/main" val="3506875107"/>
               </p:ext>
             </p:extLst>
           </p:nvPr>
@@ -11195,7 +12077,7 @@
           <a:p>
             <a:r>
               <a:rPr lang="en-US" dirty="0" smtClean="0"/>
-              <a:t>Found And Logged Bugs</a:t>
+              <a:t>Failed test priority</a:t>
             </a:r>
             <a:endParaRPr lang="bg-BG" dirty="0"/>
           </a:p>
@@ -11246,6 +12128,134 @@
             <a:fld id="{D57F1E4F-1CFF-5643-939E-02111984F565}" type="slidenum">
               <a:rPr lang="en-US" smtClean="0"/>
               <a:t>6</a:t>
+            </a:fld>
+            <a:endParaRPr lang="en-US" dirty="0"/>
+          </a:p>
+        </p:txBody>
+      </p:sp>
+    </p:spTree>
+    <p:extLst>
+      <p:ext uri="{BB962C8B-B14F-4D97-AF65-F5344CB8AC3E}">
+        <p14:creationId xmlns:p14="http://schemas.microsoft.com/office/powerpoint/2010/main" val="3402095337"/>
+      </p:ext>
+    </p:extLst>
+  </p:cSld>
+  <p:clrMapOvr>
+    <a:masterClrMapping/>
+  </p:clrMapOvr>
+</p:sld>
+</file>
+
+<file path=ppt/slides/slide7.xml><?xml version="1.0" encoding="utf-8"?>
+<p:sld xmlns:a="http://schemas.openxmlformats.org/drawingml/2006/main" xmlns:r="http://schemas.openxmlformats.org/officeDocument/2006/relationships" xmlns:p="http://schemas.openxmlformats.org/presentationml/2006/main">
+  <p:cSld>
+    <p:spTree>
+      <p:nvGrpSpPr>
+        <p:cNvPr id="1" name=""/>
+        <p:cNvGrpSpPr/>
+        <p:nvPr/>
+      </p:nvGrpSpPr>
+      <p:grpSpPr>
+        <a:xfrm>
+          <a:off x="0" y="0"/>
+          <a:ext cx="0" cy="0"/>
+          <a:chOff x="0" y="0"/>
+          <a:chExt cx="0" cy="0"/>
+        </a:xfrm>
+      </p:grpSpPr>
+      <p:graphicFrame>
+        <p:nvGraphicFramePr>
+          <p:cNvPr id="8" name="Content Placeholder 7"/>
+          <p:cNvGraphicFramePr>
+            <a:graphicFrameLocks noGrp="1"/>
+          </p:cNvGraphicFramePr>
+          <p:nvPr>
+            <p:ph idx="1"/>
+            <p:extLst>
+              <p:ext uri="{D42A27DB-BD31-4B8C-83A1-F6EECF244321}">
+                <p14:modId xmlns:p14="http://schemas.microsoft.com/office/powerpoint/2010/main" val="3135503546"/>
+              </p:ext>
+            </p:extLst>
+          </p:nvPr>
+        </p:nvGraphicFramePr>
+        <p:xfrm>
+          <a:off x="1103313" y="2052638"/>
+          <a:ext cx="8947150" cy="4195762"/>
+        </p:xfrm>
+        <a:graphic>
+          <a:graphicData uri="http://schemas.openxmlformats.org/drawingml/2006/chart">
+            <c:chart xmlns:c="http://schemas.openxmlformats.org/drawingml/2006/chart" xmlns:r="http://schemas.openxmlformats.org/officeDocument/2006/relationships" r:id="rId2"/>
+          </a:graphicData>
+        </a:graphic>
+      </p:graphicFrame>
+      <p:sp>
+        <p:nvSpPr>
+          <p:cNvPr id="3" name="Title 2"/>
+          <p:cNvSpPr>
+            <a:spLocks noGrp="1"/>
+          </p:cNvSpPr>
+          <p:nvPr>
+            <p:ph type="title"/>
+          </p:nvPr>
+        </p:nvSpPr>
+        <p:spPr/>
+        <p:txBody>
+          <a:bodyPr/>
+          <a:lstStyle/>
+          <a:p>
+            <a:r>
+              <a:rPr lang="en-US" dirty="0" smtClean="0"/>
+              <a:t>Found And Logged Bugs</a:t>
+            </a:r>
+            <a:endParaRPr lang="bg-BG" dirty="0"/>
+          </a:p>
+        </p:txBody>
+      </p:sp>
+      <p:sp>
+        <p:nvSpPr>
+          <p:cNvPr id="4" name="Footer Placeholder 3"/>
+          <p:cNvSpPr>
+            <a:spLocks noGrp="1"/>
+          </p:cNvSpPr>
+          <p:nvPr>
+            <p:ph type="ftr" sz="quarter" idx="11"/>
+          </p:nvPr>
+        </p:nvSpPr>
+        <p:spPr/>
+        <p:txBody>
+          <a:bodyPr/>
+          <a:lstStyle/>
+          <a:p>
+            <a:r>
+              <a:rPr lang="en-US" smtClean="0">
+                <a:latin typeface="Chiller" panose="04020404031007020602" pitchFamily="82" charset="0"/>
+              </a:rPr>
+              <a:t>Team Lich</a:t>
+            </a:r>
+            <a:endParaRPr lang="en-US" dirty="0">
+              <a:latin typeface="Chiller" panose="04020404031007020602" pitchFamily="82" charset="0"/>
+            </a:endParaRPr>
+          </a:p>
+        </p:txBody>
+      </p:sp>
+      <p:sp>
+        <p:nvSpPr>
+          <p:cNvPr id="5" name="Slide Number Placeholder 4"/>
+          <p:cNvSpPr>
+            <a:spLocks noGrp="1"/>
+          </p:cNvSpPr>
+          <p:nvPr>
+            <p:ph type="sldNum" sz="quarter" idx="12"/>
+          </p:nvPr>
+        </p:nvSpPr>
+        <p:spPr/>
+        <p:txBody>
+          <a:bodyPr/>
+          <a:lstStyle/>
+          <a:p>
+            <a:fld id="{D57F1E4F-1CFF-5643-939E-02111984F565}" type="slidenum">
+              <a:rPr lang="en-US" smtClean="0"/>
+              <a:t>7</a:t>
             </a:fld>
             <a:endParaRPr lang="en-US" dirty="0"/>
           </a:p>

--- a/TestStatistics.pptx
+++ b/TestStatistics.pptx
@@ -169,6 +169,64 @@
             <a:effectLst/>
           </c:spPr>
           <c:invertIfNegative val="0"/>
+          <c:dLbls>
+            <c:spPr>
+              <a:noFill/>
+              <a:ln>
+                <a:noFill/>
+              </a:ln>
+              <a:effectLst/>
+            </c:spPr>
+            <c:txPr>
+              <a:bodyPr rot="0" spcFirstLastPara="1" vertOverflow="ellipsis" vert="horz" wrap="square" lIns="38100" tIns="19050" rIns="38100" bIns="19050" anchor="ctr" anchorCtr="1">
+                <a:spAutoFit/>
+              </a:bodyPr>
+              <a:lstStyle/>
+              <a:p>
+                <a:pPr>
+                  <a:defRPr sz="1197" b="0" i="0" u="none" strike="noStrike" kern="1200" baseline="0">
+                    <a:solidFill>
+                      <a:schemeClr val="tx1">
+                        <a:lumMod val="75000"/>
+                        <a:lumOff val="25000"/>
+                      </a:schemeClr>
+                    </a:solidFill>
+                    <a:latin typeface="+mn-lt"/>
+                    <a:ea typeface="+mn-ea"/>
+                    <a:cs typeface="+mn-cs"/>
+                  </a:defRPr>
+                </a:pPr>
+                <a:endParaRPr lang="bg-BG"/>
+              </a:p>
+            </c:txPr>
+            <c:showLegendKey val="0"/>
+            <c:showVal val="1"/>
+            <c:showCatName val="0"/>
+            <c:showSerName val="0"/>
+            <c:showPercent val="0"/>
+            <c:showBubbleSize val="0"/>
+            <c:showLeaderLines val="0"/>
+            <c:extLst>
+              <c:ext xmlns:c15="http://schemas.microsoft.com/office/drawing/2012/chart" uri="{CE6537A1-D6FC-4f65-9D91-7224C49458BB}">
+                <c15:layout/>
+                <c15:showLeaderLines val="1"/>
+                <c15:leaderLines>
+                  <c:spPr>
+                    <a:ln w="9525" cap="flat" cmpd="sng" algn="ctr">
+                      <a:solidFill>
+                        <a:schemeClr val="tx1">
+                          <a:lumMod val="35000"/>
+                          <a:lumOff val="65000"/>
+                        </a:schemeClr>
+                      </a:solidFill>
+                      <a:round/>
+                    </a:ln>
+                    <a:effectLst/>
+                  </c:spPr>
+                </c15:leaderLines>
+              </c:ext>
+            </c:extLst>
+          </c:dLbls>
           <c:cat>
             <c:numRef>
               <c:f>Sheet1!$A$2</c:f>
@@ -215,6 +273,64 @@
             <a:effectLst/>
           </c:spPr>
           <c:invertIfNegative val="0"/>
+          <c:dLbls>
+            <c:spPr>
+              <a:noFill/>
+              <a:ln>
+                <a:noFill/>
+              </a:ln>
+              <a:effectLst/>
+            </c:spPr>
+            <c:txPr>
+              <a:bodyPr rot="0" spcFirstLastPara="1" vertOverflow="ellipsis" vert="horz" wrap="square" lIns="38100" tIns="19050" rIns="38100" bIns="19050" anchor="ctr" anchorCtr="1">
+                <a:spAutoFit/>
+              </a:bodyPr>
+              <a:lstStyle/>
+              <a:p>
+                <a:pPr>
+                  <a:defRPr sz="1197" b="0" i="0" u="none" strike="noStrike" kern="1200" baseline="0">
+                    <a:solidFill>
+                      <a:schemeClr val="tx1">
+                        <a:lumMod val="75000"/>
+                        <a:lumOff val="25000"/>
+                      </a:schemeClr>
+                    </a:solidFill>
+                    <a:latin typeface="+mn-lt"/>
+                    <a:ea typeface="+mn-ea"/>
+                    <a:cs typeface="+mn-cs"/>
+                  </a:defRPr>
+                </a:pPr>
+                <a:endParaRPr lang="bg-BG"/>
+              </a:p>
+            </c:txPr>
+            <c:showLegendKey val="0"/>
+            <c:showVal val="1"/>
+            <c:showCatName val="0"/>
+            <c:showSerName val="0"/>
+            <c:showPercent val="0"/>
+            <c:showBubbleSize val="0"/>
+            <c:showLeaderLines val="0"/>
+            <c:extLst>
+              <c:ext xmlns:c15="http://schemas.microsoft.com/office/drawing/2012/chart" uri="{CE6537A1-D6FC-4f65-9D91-7224C49458BB}">
+                <c15:layout/>
+                <c15:showLeaderLines val="1"/>
+                <c15:leaderLines>
+                  <c:spPr>
+                    <a:ln w="9525" cap="flat" cmpd="sng" algn="ctr">
+                      <a:solidFill>
+                        <a:schemeClr val="tx1">
+                          <a:lumMod val="35000"/>
+                          <a:lumOff val="65000"/>
+                        </a:schemeClr>
+                      </a:solidFill>
+                      <a:round/>
+                    </a:ln>
+                    <a:effectLst/>
+                  </c:spPr>
+                </c15:leaderLines>
+              </c:ext>
+            </c:extLst>
+          </c:dLbls>
           <c:cat>
             <c:numRef>
               <c:f>Sheet1!$A$2</c:f>
@@ -231,7 +347,7 @@
                 <c:formatCode>General</c:formatCode>
                 <c:ptCount val="1"/>
                 <c:pt idx="0">
-                  <c:v>20</c:v>
+                  <c:v>106</c:v>
                 </c:pt>
               </c:numCache>
             </c:numRef>
@@ -261,6 +377,64 @@
             <a:effectLst/>
           </c:spPr>
           <c:invertIfNegative val="0"/>
+          <c:dLbls>
+            <c:spPr>
+              <a:noFill/>
+              <a:ln>
+                <a:noFill/>
+              </a:ln>
+              <a:effectLst/>
+            </c:spPr>
+            <c:txPr>
+              <a:bodyPr rot="0" spcFirstLastPara="1" vertOverflow="ellipsis" vert="horz" wrap="square" lIns="38100" tIns="19050" rIns="38100" bIns="19050" anchor="ctr" anchorCtr="1">
+                <a:spAutoFit/>
+              </a:bodyPr>
+              <a:lstStyle/>
+              <a:p>
+                <a:pPr>
+                  <a:defRPr sz="1197" b="0" i="0" u="none" strike="noStrike" kern="1200" baseline="0">
+                    <a:solidFill>
+                      <a:schemeClr val="tx1">
+                        <a:lumMod val="75000"/>
+                        <a:lumOff val="25000"/>
+                      </a:schemeClr>
+                    </a:solidFill>
+                    <a:latin typeface="+mn-lt"/>
+                    <a:ea typeface="+mn-ea"/>
+                    <a:cs typeface="+mn-cs"/>
+                  </a:defRPr>
+                </a:pPr>
+                <a:endParaRPr lang="bg-BG"/>
+              </a:p>
+            </c:txPr>
+            <c:showLegendKey val="0"/>
+            <c:showVal val="1"/>
+            <c:showCatName val="0"/>
+            <c:showSerName val="0"/>
+            <c:showPercent val="0"/>
+            <c:showBubbleSize val="0"/>
+            <c:showLeaderLines val="0"/>
+            <c:extLst>
+              <c:ext xmlns:c15="http://schemas.microsoft.com/office/drawing/2012/chart" uri="{CE6537A1-D6FC-4f65-9D91-7224C49458BB}">
+                <c15:layout/>
+                <c15:showLeaderLines val="1"/>
+                <c15:leaderLines>
+                  <c:spPr>
+                    <a:ln w="9525" cap="flat" cmpd="sng" algn="ctr">
+                      <a:solidFill>
+                        <a:schemeClr val="tx1">
+                          <a:lumMod val="35000"/>
+                          <a:lumOff val="65000"/>
+                        </a:schemeClr>
+                      </a:solidFill>
+                      <a:round/>
+                    </a:ln>
+                    <a:effectLst/>
+                  </c:spPr>
+                </c15:leaderLines>
+              </c:ext>
+            </c:extLst>
+          </c:dLbls>
           <c:cat>
             <c:numRef>
               <c:f>Sheet1!$A$2</c:f>
@@ -293,11 +467,11 @@
         </c:dLbls>
         <c:gapWidth val="219"/>
         <c:overlap val="-27"/>
-        <c:axId val="-2095574064"/>
-        <c:axId val="-2095565904"/>
+        <c:axId val="-407258128"/>
+        <c:axId val="-407269008"/>
       </c:barChart>
       <c:catAx>
-        <c:axId val="-2095574064"/>
+        <c:axId val="-407258128"/>
         <c:scaling>
           <c:orientation val="minMax"/>
         </c:scaling>
@@ -340,7 +514,7 @@
             <a:endParaRPr lang="bg-BG"/>
           </a:p>
         </c:txPr>
-        <c:crossAx val="-2095565904"/>
+        <c:crossAx val="-407269008"/>
         <c:crosses val="autoZero"/>
         <c:auto val="1"/>
         <c:lblAlgn val="ctr"/>
@@ -348,7 +522,7 @@
         <c:noMultiLvlLbl val="0"/>
       </c:catAx>
       <c:valAx>
-        <c:axId val="-2095565904"/>
+        <c:axId val="-407269008"/>
         <c:scaling>
           <c:orientation val="minMax"/>
         </c:scaling>
@@ -399,7 +573,7 @@
             <a:endParaRPr lang="bg-BG"/>
           </a:p>
         </c:txPr>
-        <c:crossAx val="-2095574064"/>
+        <c:crossAx val="-407258128"/>
         <c:crosses val="autoZero"/>
         <c:crossBetween val="between"/>
       </c:valAx>
@@ -515,6 +689,64 @@
             <a:effectLst/>
           </c:spPr>
           <c:invertIfNegative val="0"/>
+          <c:dLbls>
+            <c:spPr>
+              <a:noFill/>
+              <a:ln>
+                <a:noFill/>
+              </a:ln>
+              <a:effectLst/>
+            </c:spPr>
+            <c:txPr>
+              <a:bodyPr rot="0" spcFirstLastPara="1" vertOverflow="ellipsis" vert="horz" wrap="square" lIns="38100" tIns="19050" rIns="38100" bIns="19050" anchor="ctr" anchorCtr="1">
+                <a:spAutoFit/>
+              </a:bodyPr>
+              <a:lstStyle/>
+              <a:p>
+                <a:pPr>
+                  <a:defRPr sz="1197" b="0" i="0" u="none" strike="noStrike" kern="1200" baseline="0">
+                    <a:solidFill>
+                      <a:schemeClr val="tx1">
+                        <a:lumMod val="75000"/>
+                        <a:lumOff val="25000"/>
+                      </a:schemeClr>
+                    </a:solidFill>
+                    <a:latin typeface="+mn-lt"/>
+                    <a:ea typeface="+mn-ea"/>
+                    <a:cs typeface="+mn-cs"/>
+                  </a:defRPr>
+                </a:pPr>
+                <a:endParaRPr lang="bg-BG"/>
+              </a:p>
+            </c:txPr>
+            <c:showLegendKey val="0"/>
+            <c:showVal val="1"/>
+            <c:showCatName val="0"/>
+            <c:showSerName val="0"/>
+            <c:showPercent val="0"/>
+            <c:showBubbleSize val="0"/>
+            <c:showLeaderLines val="0"/>
+            <c:extLst>
+              <c:ext xmlns:c15="http://schemas.microsoft.com/office/drawing/2012/chart" uri="{CE6537A1-D6FC-4f65-9D91-7224C49458BB}">
+                <c15:layout/>
+                <c15:showLeaderLines val="1"/>
+                <c15:leaderLines>
+                  <c:spPr>
+                    <a:ln w="9525" cap="flat" cmpd="sng" algn="ctr">
+                      <a:solidFill>
+                        <a:schemeClr val="tx1">
+                          <a:lumMod val="35000"/>
+                          <a:lumOff val="65000"/>
+                        </a:schemeClr>
+                      </a:solidFill>
+                      <a:round/>
+                    </a:ln>
+                    <a:effectLst/>
+                  </c:spPr>
+                </c15:leaderLines>
+              </c:ext>
+            </c:extLst>
+          </c:dLbls>
           <c:cat>
             <c:numRef>
               <c:f>Sheet1!$A$2</c:f>
@@ -561,6 +793,64 @@
             <a:effectLst/>
           </c:spPr>
           <c:invertIfNegative val="0"/>
+          <c:dLbls>
+            <c:spPr>
+              <a:noFill/>
+              <a:ln>
+                <a:noFill/>
+              </a:ln>
+              <a:effectLst/>
+            </c:spPr>
+            <c:txPr>
+              <a:bodyPr rot="0" spcFirstLastPara="1" vertOverflow="ellipsis" vert="horz" wrap="square" lIns="38100" tIns="19050" rIns="38100" bIns="19050" anchor="ctr" anchorCtr="1">
+                <a:spAutoFit/>
+              </a:bodyPr>
+              <a:lstStyle/>
+              <a:p>
+                <a:pPr>
+                  <a:defRPr sz="1197" b="0" i="0" u="none" strike="noStrike" kern="1200" baseline="0">
+                    <a:solidFill>
+                      <a:schemeClr val="tx1">
+                        <a:lumMod val="75000"/>
+                        <a:lumOff val="25000"/>
+                      </a:schemeClr>
+                    </a:solidFill>
+                    <a:latin typeface="+mn-lt"/>
+                    <a:ea typeface="+mn-ea"/>
+                    <a:cs typeface="+mn-cs"/>
+                  </a:defRPr>
+                </a:pPr>
+                <a:endParaRPr lang="bg-BG"/>
+              </a:p>
+            </c:txPr>
+            <c:showLegendKey val="0"/>
+            <c:showVal val="1"/>
+            <c:showCatName val="0"/>
+            <c:showSerName val="0"/>
+            <c:showPercent val="0"/>
+            <c:showBubbleSize val="0"/>
+            <c:showLeaderLines val="0"/>
+            <c:extLst>
+              <c:ext xmlns:c15="http://schemas.microsoft.com/office/drawing/2012/chart" uri="{CE6537A1-D6FC-4f65-9D91-7224C49458BB}">
+                <c15:layout/>
+                <c15:showLeaderLines val="1"/>
+                <c15:leaderLines>
+                  <c:spPr>
+                    <a:ln w="9525" cap="flat" cmpd="sng" algn="ctr">
+                      <a:solidFill>
+                        <a:schemeClr val="tx1">
+                          <a:lumMod val="35000"/>
+                          <a:lumOff val="65000"/>
+                        </a:schemeClr>
+                      </a:solidFill>
+                      <a:round/>
+                    </a:ln>
+                    <a:effectLst/>
+                  </c:spPr>
+                </c15:leaderLines>
+              </c:ext>
+            </c:extLst>
+          </c:dLbls>
           <c:cat>
             <c:numRef>
               <c:f>Sheet1!$A$2</c:f>
@@ -593,11 +883,11 @@
         </c:dLbls>
         <c:gapWidth val="219"/>
         <c:overlap val="-27"/>
-        <c:axId val="-282228992"/>
-        <c:axId val="-282231712"/>
+        <c:axId val="-407260848"/>
+        <c:axId val="-407270640"/>
       </c:barChart>
       <c:catAx>
-        <c:axId val="-282228992"/>
+        <c:axId val="-407260848"/>
         <c:scaling>
           <c:orientation val="minMax"/>
         </c:scaling>
@@ -640,7 +930,7 @@
             <a:endParaRPr lang="bg-BG"/>
           </a:p>
         </c:txPr>
-        <c:crossAx val="-282231712"/>
+        <c:crossAx val="-407270640"/>
         <c:crosses val="autoZero"/>
         <c:auto val="1"/>
         <c:lblAlgn val="ctr"/>
@@ -648,7 +938,7 @@
         <c:noMultiLvlLbl val="0"/>
       </c:catAx>
       <c:valAx>
-        <c:axId val="-282231712"/>
+        <c:axId val="-407270640"/>
         <c:scaling>
           <c:orientation val="minMax"/>
         </c:scaling>
@@ -699,7 +989,7 @@
             <a:endParaRPr lang="bg-BG"/>
           </a:p>
         </c:txPr>
-        <c:crossAx val="-282228992"/>
+        <c:crossAx val="-407260848"/>
         <c:crosses val="autoZero"/>
         <c:crossBetween val="between"/>
       </c:valAx>
@@ -815,6 +1105,64 @@
             <a:effectLst/>
           </c:spPr>
           <c:invertIfNegative val="0"/>
+          <c:dLbls>
+            <c:spPr>
+              <a:noFill/>
+              <a:ln>
+                <a:noFill/>
+              </a:ln>
+              <a:effectLst/>
+            </c:spPr>
+            <c:txPr>
+              <a:bodyPr rot="0" spcFirstLastPara="1" vertOverflow="ellipsis" vert="horz" wrap="square" lIns="38100" tIns="19050" rIns="38100" bIns="19050" anchor="ctr" anchorCtr="1">
+                <a:spAutoFit/>
+              </a:bodyPr>
+              <a:lstStyle/>
+              <a:p>
+                <a:pPr>
+                  <a:defRPr sz="1197" b="0" i="0" u="none" strike="noStrike" kern="1200" baseline="0">
+                    <a:solidFill>
+                      <a:schemeClr val="tx1">
+                        <a:lumMod val="75000"/>
+                        <a:lumOff val="25000"/>
+                      </a:schemeClr>
+                    </a:solidFill>
+                    <a:latin typeface="+mn-lt"/>
+                    <a:ea typeface="+mn-ea"/>
+                    <a:cs typeface="+mn-cs"/>
+                  </a:defRPr>
+                </a:pPr>
+                <a:endParaRPr lang="bg-BG"/>
+              </a:p>
+            </c:txPr>
+            <c:showLegendKey val="0"/>
+            <c:showVal val="1"/>
+            <c:showCatName val="0"/>
+            <c:showSerName val="0"/>
+            <c:showPercent val="0"/>
+            <c:showBubbleSize val="0"/>
+            <c:showLeaderLines val="0"/>
+            <c:extLst>
+              <c:ext xmlns:c15="http://schemas.microsoft.com/office/drawing/2012/chart" uri="{CE6537A1-D6FC-4f65-9D91-7224C49458BB}">
+                <c15:layout/>
+                <c15:showLeaderLines val="1"/>
+                <c15:leaderLines>
+                  <c:spPr>
+                    <a:ln w="9525" cap="flat" cmpd="sng" algn="ctr">
+                      <a:solidFill>
+                        <a:schemeClr val="tx1">
+                          <a:lumMod val="35000"/>
+                          <a:lumOff val="65000"/>
+                        </a:schemeClr>
+                      </a:solidFill>
+                      <a:round/>
+                    </a:ln>
+                    <a:effectLst/>
+                  </c:spPr>
+                </c15:leaderLines>
+              </c:ext>
+            </c:extLst>
+          </c:dLbls>
           <c:cat>
             <c:numRef>
               <c:f>Sheet1!$A$2</c:f>
@@ -861,6 +1209,64 @@
             <a:effectLst/>
           </c:spPr>
           <c:invertIfNegative val="0"/>
+          <c:dLbls>
+            <c:spPr>
+              <a:noFill/>
+              <a:ln>
+                <a:noFill/>
+              </a:ln>
+              <a:effectLst/>
+            </c:spPr>
+            <c:txPr>
+              <a:bodyPr rot="0" spcFirstLastPara="1" vertOverflow="ellipsis" vert="horz" wrap="square" lIns="38100" tIns="19050" rIns="38100" bIns="19050" anchor="ctr" anchorCtr="1">
+                <a:spAutoFit/>
+              </a:bodyPr>
+              <a:lstStyle/>
+              <a:p>
+                <a:pPr>
+                  <a:defRPr sz="1197" b="0" i="0" u="none" strike="noStrike" kern="1200" baseline="0">
+                    <a:solidFill>
+                      <a:schemeClr val="tx1">
+                        <a:lumMod val="75000"/>
+                        <a:lumOff val="25000"/>
+                      </a:schemeClr>
+                    </a:solidFill>
+                    <a:latin typeface="+mn-lt"/>
+                    <a:ea typeface="+mn-ea"/>
+                    <a:cs typeface="+mn-cs"/>
+                  </a:defRPr>
+                </a:pPr>
+                <a:endParaRPr lang="bg-BG"/>
+              </a:p>
+            </c:txPr>
+            <c:showLegendKey val="0"/>
+            <c:showVal val="1"/>
+            <c:showCatName val="0"/>
+            <c:showSerName val="0"/>
+            <c:showPercent val="0"/>
+            <c:showBubbleSize val="0"/>
+            <c:showLeaderLines val="0"/>
+            <c:extLst>
+              <c:ext xmlns:c15="http://schemas.microsoft.com/office/drawing/2012/chart" uri="{CE6537A1-D6FC-4f65-9D91-7224C49458BB}">
+                <c15:layout/>
+                <c15:showLeaderLines val="1"/>
+                <c15:leaderLines>
+                  <c:spPr>
+                    <a:ln w="9525" cap="flat" cmpd="sng" algn="ctr">
+                      <a:solidFill>
+                        <a:schemeClr val="tx1">
+                          <a:lumMod val="35000"/>
+                          <a:lumOff val="65000"/>
+                        </a:schemeClr>
+                      </a:solidFill>
+                      <a:round/>
+                    </a:ln>
+                    <a:effectLst/>
+                  </c:spPr>
+                </c15:leaderLines>
+              </c:ext>
+            </c:extLst>
+          </c:dLbls>
           <c:cat>
             <c:numRef>
               <c:f>Sheet1!$A$2</c:f>
@@ -907,6 +1313,64 @@
             <a:effectLst/>
           </c:spPr>
           <c:invertIfNegative val="0"/>
+          <c:dLbls>
+            <c:spPr>
+              <a:noFill/>
+              <a:ln>
+                <a:noFill/>
+              </a:ln>
+              <a:effectLst/>
+            </c:spPr>
+            <c:txPr>
+              <a:bodyPr rot="0" spcFirstLastPara="1" vertOverflow="ellipsis" vert="horz" wrap="square" lIns="38100" tIns="19050" rIns="38100" bIns="19050" anchor="ctr" anchorCtr="1">
+                <a:spAutoFit/>
+              </a:bodyPr>
+              <a:lstStyle/>
+              <a:p>
+                <a:pPr>
+                  <a:defRPr sz="1197" b="0" i="0" u="none" strike="noStrike" kern="1200" baseline="0">
+                    <a:solidFill>
+                      <a:schemeClr val="tx1">
+                        <a:lumMod val="75000"/>
+                        <a:lumOff val="25000"/>
+                      </a:schemeClr>
+                    </a:solidFill>
+                    <a:latin typeface="+mn-lt"/>
+                    <a:ea typeface="+mn-ea"/>
+                    <a:cs typeface="+mn-cs"/>
+                  </a:defRPr>
+                </a:pPr>
+                <a:endParaRPr lang="bg-BG"/>
+              </a:p>
+            </c:txPr>
+            <c:showLegendKey val="0"/>
+            <c:showVal val="1"/>
+            <c:showCatName val="0"/>
+            <c:showSerName val="0"/>
+            <c:showPercent val="0"/>
+            <c:showBubbleSize val="0"/>
+            <c:showLeaderLines val="0"/>
+            <c:extLst>
+              <c:ext xmlns:c15="http://schemas.microsoft.com/office/drawing/2012/chart" uri="{CE6537A1-D6FC-4f65-9D91-7224C49458BB}">
+                <c15:layout/>
+                <c15:showLeaderLines val="1"/>
+                <c15:leaderLines>
+                  <c:spPr>
+                    <a:ln w="9525" cap="flat" cmpd="sng" algn="ctr">
+                      <a:solidFill>
+                        <a:schemeClr val="tx1">
+                          <a:lumMod val="35000"/>
+                          <a:lumOff val="65000"/>
+                        </a:schemeClr>
+                      </a:solidFill>
+                      <a:round/>
+                    </a:ln>
+                    <a:effectLst/>
+                  </c:spPr>
+                </c15:leaderLines>
+              </c:ext>
+            </c:extLst>
+          </c:dLbls>
           <c:cat>
             <c:numRef>
               <c:f>Sheet1!$A$2</c:f>
@@ -939,11 +1403,11 @@
         </c:dLbls>
         <c:gapWidth val="219"/>
         <c:overlap val="-27"/>
-        <c:axId val="-282229536"/>
-        <c:axId val="-282238784"/>
+        <c:axId val="-407255952"/>
+        <c:axId val="-407260304"/>
       </c:barChart>
       <c:catAx>
-        <c:axId val="-282229536"/>
+        <c:axId val="-407255952"/>
         <c:scaling>
           <c:orientation val="minMax"/>
         </c:scaling>
@@ -986,7 +1450,7 @@
             <a:endParaRPr lang="bg-BG"/>
           </a:p>
         </c:txPr>
-        <c:crossAx val="-282238784"/>
+        <c:crossAx val="-407260304"/>
         <c:crosses val="autoZero"/>
         <c:auto val="1"/>
         <c:lblAlgn val="ctr"/>
@@ -994,7 +1458,7 @@
         <c:noMultiLvlLbl val="0"/>
       </c:catAx>
       <c:valAx>
-        <c:axId val="-282238784"/>
+        <c:axId val="-407260304"/>
         <c:scaling>
           <c:orientation val="minMax"/>
         </c:scaling>
@@ -1045,7 +1509,7 @@
             <a:endParaRPr lang="bg-BG"/>
           </a:p>
         </c:txPr>
-        <c:crossAx val="-282229536"/>
+        <c:crossAx val="-407255952"/>
         <c:crosses val="autoZero"/>
         <c:crossBetween val="between"/>
       </c:valAx>
@@ -1207,6 +1671,64 @@
             <a:effectLst/>
           </c:spPr>
           <c:invertIfNegative val="0"/>
+          <c:dLbls>
+            <c:spPr>
+              <a:noFill/>
+              <a:ln>
+                <a:noFill/>
+              </a:ln>
+              <a:effectLst/>
+            </c:spPr>
+            <c:txPr>
+              <a:bodyPr rot="0" spcFirstLastPara="1" vertOverflow="ellipsis" vert="horz" wrap="square" lIns="38100" tIns="19050" rIns="38100" bIns="19050" anchor="ctr" anchorCtr="1">
+                <a:spAutoFit/>
+              </a:bodyPr>
+              <a:lstStyle/>
+              <a:p>
+                <a:pPr>
+                  <a:defRPr sz="1197" b="0" i="0" u="none" strike="noStrike" kern="1200" baseline="0">
+                    <a:solidFill>
+                      <a:schemeClr val="tx1">
+                        <a:lumMod val="75000"/>
+                        <a:lumOff val="25000"/>
+                      </a:schemeClr>
+                    </a:solidFill>
+                    <a:latin typeface="+mn-lt"/>
+                    <a:ea typeface="+mn-ea"/>
+                    <a:cs typeface="+mn-cs"/>
+                  </a:defRPr>
+                </a:pPr>
+                <a:endParaRPr lang="bg-BG"/>
+              </a:p>
+            </c:txPr>
+            <c:showLegendKey val="0"/>
+            <c:showVal val="1"/>
+            <c:showCatName val="0"/>
+            <c:showSerName val="0"/>
+            <c:showPercent val="0"/>
+            <c:showBubbleSize val="0"/>
+            <c:showLeaderLines val="0"/>
+            <c:extLst>
+              <c:ext xmlns:c15="http://schemas.microsoft.com/office/drawing/2012/chart" uri="{CE6537A1-D6FC-4f65-9D91-7224C49458BB}">
+                <c15:layout/>
+                <c15:showLeaderLines val="1"/>
+                <c15:leaderLines>
+                  <c:spPr>
+                    <a:ln w="9525" cap="flat" cmpd="sng" algn="ctr">
+                      <a:solidFill>
+                        <a:schemeClr val="tx1">
+                          <a:lumMod val="35000"/>
+                          <a:lumOff val="65000"/>
+                        </a:schemeClr>
+                      </a:solidFill>
+                      <a:round/>
+                    </a:ln>
+                    <a:effectLst/>
+                  </c:spPr>
+                </c15:leaderLines>
+              </c:ext>
+            </c:extLst>
+          </c:dLbls>
           <c:cat>
             <c:numRef>
               <c:f>Sheet1!$A$2</c:f>
@@ -1253,6 +1775,64 @@
             <a:effectLst/>
           </c:spPr>
           <c:invertIfNegative val="0"/>
+          <c:dLbls>
+            <c:spPr>
+              <a:noFill/>
+              <a:ln>
+                <a:noFill/>
+              </a:ln>
+              <a:effectLst/>
+            </c:spPr>
+            <c:txPr>
+              <a:bodyPr rot="0" spcFirstLastPara="1" vertOverflow="ellipsis" vert="horz" wrap="square" lIns="38100" tIns="19050" rIns="38100" bIns="19050" anchor="ctr" anchorCtr="1">
+                <a:spAutoFit/>
+              </a:bodyPr>
+              <a:lstStyle/>
+              <a:p>
+                <a:pPr>
+                  <a:defRPr sz="1197" b="0" i="0" u="none" strike="noStrike" kern="1200" baseline="0">
+                    <a:solidFill>
+                      <a:schemeClr val="tx1">
+                        <a:lumMod val="75000"/>
+                        <a:lumOff val="25000"/>
+                      </a:schemeClr>
+                    </a:solidFill>
+                    <a:latin typeface="+mn-lt"/>
+                    <a:ea typeface="+mn-ea"/>
+                    <a:cs typeface="+mn-cs"/>
+                  </a:defRPr>
+                </a:pPr>
+                <a:endParaRPr lang="bg-BG"/>
+              </a:p>
+            </c:txPr>
+            <c:showLegendKey val="0"/>
+            <c:showVal val="1"/>
+            <c:showCatName val="0"/>
+            <c:showSerName val="0"/>
+            <c:showPercent val="0"/>
+            <c:showBubbleSize val="0"/>
+            <c:showLeaderLines val="0"/>
+            <c:extLst>
+              <c:ext xmlns:c15="http://schemas.microsoft.com/office/drawing/2012/chart" uri="{CE6537A1-D6FC-4f65-9D91-7224C49458BB}">
+                <c15:layout/>
+                <c15:showLeaderLines val="1"/>
+                <c15:leaderLines>
+                  <c:spPr>
+                    <a:ln w="9525" cap="flat" cmpd="sng" algn="ctr">
+                      <a:solidFill>
+                        <a:schemeClr val="tx1">
+                          <a:lumMod val="35000"/>
+                          <a:lumOff val="65000"/>
+                        </a:schemeClr>
+                      </a:solidFill>
+                      <a:round/>
+                    </a:ln>
+                    <a:effectLst/>
+                  </c:spPr>
+                </c15:leaderLines>
+              </c:ext>
+            </c:extLst>
+          </c:dLbls>
           <c:cat>
             <c:numRef>
               <c:f>Sheet1!$A$2</c:f>
@@ -1331,11 +1911,11 @@
         </c:dLbls>
         <c:gapWidth val="219"/>
         <c:overlap val="-27"/>
-        <c:axId val="-282235520"/>
-        <c:axId val="-282227360"/>
+        <c:axId val="-633132512"/>
+        <c:axId val="-407269552"/>
       </c:barChart>
       <c:catAx>
-        <c:axId val="-282235520"/>
+        <c:axId val="-633132512"/>
         <c:scaling>
           <c:orientation val="minMax"/>
         </c:scaling>
@@ -1378,7 +1958,7 @@
             <a:endParaRPr lang="bg-BG"/>
           </a:p>
         </c:txPr>
-        <c:crossAx val="-282227360"/>
+        <c:crossAx val="-407269552"/>
         <c:crosses val="autoZero"/>
         <c:auto val="1"/>
         <c:lblAlgn val="ctr"/>
@@ -1386,7 +1966,7 @@
         <c:noMultiLvlLbl val="0"/>
       </c:catAx>
       <c:valAx>
-        <c:axId val="-282227360"/>
+        <c:axId val="-407269552"/>
         <c:scaling>
           <c:orientation val="minMax"/>
         </c:scaling>
@@ -1441,7 +2021,7 @@
             <a:endParaRPr lang="bg-BG"/>
           </a:p>
         </c:txPr>
-        <c:crossAx val="-282235520"/>
+        <c:crossAx val="-633132512"/>
         <c:crosses val="autoZero"/>
         <c:crossBetween val="between"/>
       </c:valAx>
@@ -1573,7 +2153,7 @@
                 <c:formatCode>General</c:formatCode>
                 <c:ptCount val="1"/>
                 <c:pt idx="0">
-                  <c:v>0</c:v>
+                  <c:v>3</c:v>
                 </c:pt>
               </c:numCache>
             </c:numRef>
@@ -1619,7 +2199,7 @@
                 <c:formatCode>General</c:formatCode>
                 <c:ptCount val="1"/>
                 <c:pt idx="0">
-                  <c:v>2.4</c:v>
+                  <c:v>0</c:v>
                 </c:pt>
               </c:numCache>
             </c:numRef>
@@ -1635,11 +2215,11 @@
         </c:dLbls>
         <c:gapWidth val="219"/>
         <c:overlap val="-27"/>
-        <c:axId val="-282013792"/>
-        <c:axId val="-2094787184"/>
+        <c:axId val="-407264112"/>
+        <c:axId val="-407258672"/>
       </c:barChart>
       <c:catAx>
-        <c:axId val="-282013792"/>
+        <c:axId val="-407264112"/>
         <c:scaling>
           <c:orientation val="minMax"/>
         </c:scaling>
@@ -1682,7 +2262,7 @@
             <a:endParaRPr lang="bg-BG"/>
           </a:p>
         </c:txPr>
-        <c:crossAx val="-2094787184"/>
+        <c:crossAx val="-407258672"/>
         <c:crosses val="autoZero"/>
         <c:auto val="1"/>
         <c:lblAlgn val="ctr"/>
@@ -1690,7 +2270,7 @@
         <c:noMultiLvlLbl val="0"/>
       </c:catAx>
       <c:valAx>
-        <c:axId val="-2094787184"/>
+        <c:axId val="-407258672"/>
         <c:scaling>
           <c:orientation val="minMax"/>
         </c:scaling>
@@ -1741,7 +2321,7 @@
             <a:endParaRPr lang="bg-BG"/>
           </a:p>
         </c:txPr>
-        <c:crossAx val="-282013792"/>
+        <c:crossAx val="-407264112"/>
         <c:crosses val="autoZero"/>
         <c:crossBetween val="between"/>
       </c:valAx>
@@ -11657,7 +12237,7 @@
             <p:ph idx="1"/>
             <p:extLst>
               <p:ext uri="{D42A27DB-BD31-4B8C-83A1-F6EECF244321}">
-                <p14:modId xmlns:p14="http://schemas.microsoft.com/office/powerpoint/2010/main" val="1457791221"/>
+                <p14:modId xmlns:p14="http://schemas.microsoft.com/office/powerpoint/2010/main" val="3714592002"/>
               </p:ext>
             </p:extLst>
           </p:nvPr>
@@ -11817,11 +12397,7 @@
           <a:p>
             <a:r>
               <a:rPr lang="en-US" dirty="0" smtClean="0"/>
-              <a:t>Number of </a:t>
-            </a:r>
-            <a:r>
-              <a:rPr lang="en-US" dirty="0" smtClean="0"/>
-              <a:t>ran tests</a:t>
+              <a:t>Number of ran tests</a:t>
             </a:r>
             <a:endParaRPr lang="bg-BG" dirty="0"/>
           </a:p>
@@ -12045,7 +12621,7 @@
             <p:ph idx="1"/>
             <p:extLst>
               <p:ext uri="{D42A27DB-BD31-4B8C-83A1-F6EECF244321}">
-                <p14:modId xmlns:p14="http://schemas.microsoft.com/office/powerpoint/2010/main" val="3506875107"/>
+                <p14:modId xmlns:p14="http://schemas.microsoft.com/office/powerpoint/2010/main" val="3895988654"/>
               </p:ext>
             </p:extLst>
           </p:nvPr>
@@ -12173,7 +12749,7 @@
             <p:ph idx="1"/>
             <p:extLst>
               <p:ext uri="{D42A27DB-BD31-4B8C-83A1-F6EECF244321}">
-                <p14:modId xmlns:p14="http://schemas.microsoft.com/office/powerpoint/2010/main" val="3135503546"/>
+                <p14:modId xmlns:p14="http://schemas.microsoft.com/office/powerpoint/2010/main" val="2779774401"/>
               </p:ext>
             </p:extLst>
           </p:nvPr>
